--- a/파이썬_세미나_ppt_완료.pptx
+++ b/파이썬_세미나_ppt_완료.pptx
@@ -2,7 +2,7 @@
 <file path=ppt/presentation.xml><?xml version="1.0" encoding="utf-8"?>
 <p:presentation xmlns:a="http://schemas.openxmlformats.org/drawingml/2006/main" xmlns:r="http://schemas.openxmlformats.org/officeDocument/2006/relationships" xmlns:p="http://schemas.openxmlformats.org/presentationml/2006/main" xmlns:p14="http://schemas.microsoft.com/office/powerpoint/2010/main" saveSubsetFonts="1">
   <p:sldMasterIdLst>
-    <p:sldMasterId id="2147483913" r:id="rId13"/>
+    <p:sldMasterId id="2147483915" r:id="rId13"/>
   </p:sldMasterIdLst>
   <p:sldIdLst>
     <p:sldId id="278" r:id="rId15"/>
@@ -72,22 +72,22 @@
     </p:ext>
     <p:ext uri="{EFAFB233-063F-42B5-8137-9DF3F51BA10A}">
       <p15:sldGuideLst xmlns:p15="http://schemas.microsoft.com/office/powerpoint/2012/main">
-        <p15:guide id="0" pos="3823" userDrawn="1">
+        <p15:guide id="0" pos="3822" userDrawn="1">
           <p15:clr>
             <a:srgbClr val="A4A3A4"/>
           </p15:clr>
         </p15:guide>
-        <p15:guide id="1" orient="horz" pos="2148" userDrawn="1">
+        <p15:guide id="1" orient="horz" pos="2147" userDrawn="1">
           <p15:clr>
             <a:srgbClr val="A4A3A4"/>
           </p15:clr>
         </p15:guide>
-        <p15:guide id="4" orient="horz" pos="2448" userDrawn="1">
+        <p15:guide id="4" orient="horz" pos="2447" userDrawn="1">
           <p15:clr>
             <a:srgbClr val="A4A3A4"/>
           </p15:clr>
         </p15:guide>
-        <p15:guide id="4" pos="3923" userDrawn="1">
+        <p15:guide id="4" pos="3922" userDrawn="1">
           <p15:clr>
             <a:srgbClr val="A4A3A4"/>
           </p15:clr>
@@ -6893,7 +6893,7 @@
 </file>
 
 <file path=ppt/slides/slide12.xml><?xml version="1.0" encoding="utf-8"?>
-<p:sld xmlns:a="http://schemas.openxmlformats.org/drawingml/2006/main" xmlns:r="http://schemas.openxmlformats.org/officeDocument/2006/relationships" xmlns:p="http://schemas.openxmlformats.org/presentationml/2006/main">
+<p:sld xmlns:a="http://schemas.openxmlformats.org/drawingml/2006/main" xmlns:r="http://schemas.openxmlformats.org/officeDocument/2006/relationships" xmlns:p="http://schemas.openxmlformats.org/presentationml/2006/main" xmlns:p14="http://schemas.microsoft.com/office/powerpoint/2010/main">
   <p:cSld>
     <p:spTree>
       <p:nvGrpSpPr>
@@ -6918,9 +6918,9 @@
           <p:nvPr/>
         </p:nvSpPr>
         <p:spPr>
-          <a:xfrm rot="0">
+          <a:xfrm>
             <a:off x="441325" y="267970"/>
-            <a:ext cx="5009515" cy="4523105"/>
+            <a:ext cx="5010150" cy="4246245"/>
           </a:xfrm>
           <a:prstGeom prst="rect"/>
           <a:noFill/>
@@ -6930,7 +6930,7 @@
           </a:ln>
         </p:spPr>
         <p:txBody>
-          <a:bodyPr wrap="square" lIns="89535" tIns="46355" rIns="89535" bIns="46355" vert="horz" anchor="t">
+          <a:bodyPr wrap="square" lIns="89535" tIns="46355" rIns="89535" bIns="46355" numCol="1" vert="horz" anchor="t">
             <a:spAutoFit/>
           </a:bodyPr>
           <a:lstStyle/>
@@ -7120,25 +7120,6 @@
                 <a:ea typeface="맑은 고딕" charset="0"/>
               </a:rPr>
             </a:br>
-            <a:endParaRPr lang="ko-KR" altLang="en-US" sz="1800" cap="none" dirty="0" smtClean="0" b="0" strike="noStrike">
-              <a:latin typeface="맑은 고딕" charset="0"/>
-              <a:ea typeface="맑은 고딕" charset="0"/>
-            </a:endParaRPr>
-          </a:p>
-          <a:p>
-            <a:pPr marL="0" indent="0" algn="l" fontAlgn="auto" defTabSz="508000" eaLnBrk="0" latinLnBrk="0">
-              <a:lnSpc>
-                <a:spcPct val="100000"/>
-              </a:lnSpc>
-              <a:spcBef>
-                <a:spcPts val="0"/>
-              </a:spcBef>
-              <a:spcAft>
-                <a:spcPts val="0"/>
-              </a:spcAft>
-              <a:buFontTx/>
-              <a:buNone/>
-            </a:pPr>
             <a:endParaRPr lang="ko-KR" altLang="en-US" sz="1800" cap="none" dirty="0" smtClean="0" b="0" strike="noStrike">
               <a:latin typeface="맑은 고딕" charset="0"/>
               <a:ea typeface="맑은 고딕" charset="0"/>
@@ -7497,7 +7478,7 @@
       </p:grpSp>
       <p:pic>
         <p:nvPicPr>
-          <p:cNvPr id="16" name="그림 15" descr="C:/Users/PAUL/AppData/Roaming/PolarisOffice/ETemp/1160_48387312/fImage48642559358.png"/>
+          <p:cNvPr id="16" name="그림 15"/>
           <p:cNvPicPr>
             <a:picLocks noChangeAspect="1"/>
           </p:cNvPicPr>
@@ -7526,7 +7507,7 @@
       </p:pic>
       <p:pic>
         <p:nvPicPr>
-          <p:cNvPr id="17" name="그림 16" descr="C:/Users/PAUL/AppData/Roaming/PolarisOffice/ETemp/1160_48387312/fImage6842566962.png"/>
+          <p:cNvPr id="17" name="그림 16"/>
           <p:cNvPicPr>
             <a:picLocks noChangeAspect="1"/>
           </p:cNvPicPr>
@@ -7555,7 +7536,7 @@
       </p:pic>
       <p:pic>
         <p:nvPicPr>
-          <p:cNvPr id="18" name="그림 17" descr="C:/Users/PAUL/AppData/Roaming/PolarisOffice/ETemp/1160_48387312/fImage6792574464.png"/>
+          <p:cNvPr id="18" name="그림 17"/>
           <p:cNvPicPr>
             <a:picLocks noChangeAspect="1"/>
           </p:cNvPicPr>
@@ -7584,7 +7565,7 @@
       </p:pic>
       <p:pic>
         <p:nvPicPr>
-          <p:cNvPr id="19" name="그림 18" descr="C:/Users/PAUL/AppData/Roaming/PolarisOffice/ETemp/1160_48387312/fImage65232585705.png"/>
+          <p:cNvPr id="19" name="그림 18"/>
           <p:cNvPicPr>
             <a:picLocks noChangeAspect="1"/>
           </p:cNvPicPr>
@@ -7613,7 +7594,7 @@
       </p:pic>
       <p:pic>
         <p:nvPicPr>
-          <p:cNvPr id="20" name="그림 19" descr="C:/Users/PAUL/AppData/Roaming/PolarisOffice/ETemp/1160_48387312/fImage69132598145.png"/>
+          <p:cNvPr id="20" name="그림 19" descr="C:/Users/PAUL/AppData/Roaming/PolarisOffice/ETemp/10120_51544248/fImage69132598145.png"/>
           <p:cNvPicPr>
             <a:picLocks noChangeAspect="1"/>
           </p:cNvPicPr>
@@ -7627,14 +7608,15 @@
               </a:ext>
             </a:extLst>
           </a:blip>
+          <a:srcRect/>
           <a:stretch>
             <a:fillRect/>
           </a:stretch>
         </p:blipFill>
         <p:spPr>
           <a:xfrm rot="0">
-            <a:off x="439420" y="4518660"/>
-            <a:ext cx="3382010" cy="2343785"/>
+            <a:off x="439420" y="4285615"/>
+            <a:ext cx="3382645" cy="2344420"/>
           </a:xfrm>
           <a:prstGeom prst="rect"/>
           <a:noFill/>
@@ -8141,6 +8123,168 @@
           </p:txBody>
         </p:sp>
       </p:grpSp>
+      <p:sp>
+        <p:nvSpPr>
+          <p:cNvPr id="11" name="텍스트 상자 10"/>
+          <p:cNvSpPr txBox="1">
+            <a:spLocks/>
+          </p:cNvSpPr>
+          <p:nvPr/>
+        </p:nvSpPr>
+        <p:spPr>
+          <a:xfrm rot="0">
+            <a:off x="431800" y="6018530"/>
+            <a:ext cx="5894705" cy="738505"/>
+          </a:xfrm>
+          <a:prstGeom prst="rect"/>
+          <a:noFill/>
+        </p:spPr>
+        <p:txBody>
+          <a:bodyPr wrap="square" lIns="0" tIns="0" rIns="0" bIns="0" vert="horz" anchor="t">
+            <a:noAutofit/>
+          </a:bodyPr>
+          <a:lstStyle/>
+          <a:p>
+            <a:pPr marL="0" indent="0" algn="ctr" fontAlgn="auto" defTabSz="508000">
+              <a:lnSpc>
+                <a:spcPct val="100000"/>
+              </a:lnSpc>
+              <a:spcBef>
+                <a:spcPts val="0"/>
+              </a:spcBef>
+              <a:spcAft>
+                <a:spcPts val="0"/>
+              </a:spcAft>
+              <a:buFontTx/>
+              <a:buNone/>
+            </a:pPr>
+            <a:r>
+              <a:rPr lang="en-US" altLang="ko-KR" sz="1000" cap="none" dirty="0" smtClean="0" b="0" strike="noStrike">
+                <a:solidFill>
+                  <a:schemeClr val="accent1">
+                    <a:lumMod val="75000"/>
+                    <a:lumOff val="0"/>
+                  </a:schemeClr>
+                </a:solidFill>
+                <a:latin typeface="맑은 고딕" charset="0"/>
+                <a:ea typeface="맑은 고딕" charset="0"/>
+              </a:rPr>
+              <a:t>http://www.realhanbit.co.kr/books/53/pages/608/preview - 파이썬 키워드 표</a:t>
+            </a:r>
+            <a:endParaRPr lang="ko-KR" altLang="en-US" sz="1000" cap="none" dirty="0" smtClean="0" b="0" strike="noStrike">
+              <a:solidFill>
+                <a:schemeClr val="accent1">
+                  <a:lumMod val="75000"/>
+                  <a:lumOff val="0"/>
+                </a:schemeClr>
+              </a:solidFill>
+              <a:latin typeface="맑은 고딕" charset="0"/>
+              <a:ea typeface="맑은 고딕" charset="0"/>
+            </a:endParaRPr>
+          </a:p>
+          <a:p>
+            <a:pPr marL="0" indent="0" algn="ctr" fontAlgn="auto" defTabSz="508000">
+              <a:lnSpc>
+                <a:spcPct val="100000"/>
+              </a:lnSpc>
+              <a:spcBef>
+                <a:spcPts val="0"/>
+              </a:spcBef>
+              <a:spcAft>
+                <a:spcPts val="0"/>
+              </a:spcAft>
+              <a:buFontTx/>
+              <a:buNone/>
+            </a:pPr>
+            <a:r>
+              <a:rPr lang="en-US" altLang="ko-KR" sz="1000" cap="none" dirty="0" smtClean="0" b="0" strike="noStrike">
+                <a:solidFill>
+                  <a:schemeClr val="accent1">
+                    <a:lumMod val="75000"/>
+                    <a:lumOff val="0"/>
+                  </a:schemeClr>
+                </a:solidFill>
+                <a:latin typeface="맑은 고딕" charset="0"/>
+                <a:ea typeface="맑은 고딕" charset="0"/>
+              </a:rPr>
+              <a:t>http://www.realhanbit.co.kr/books/53/pages/608/preview - 파이썬 식별자 규칙</a:t>
+            </a:r>
+            <a:endParaRPr lang="ko-KR" altLang="en-US" sz="1000" cap="none" dirty="0" smtClean="0" b="0" strike="noStrike">
+              <a:solidFill>
+                <a:schemeClr val="accent1">
+                  <a:lumMod val="75000"/>
+                  <a:lumOff val="0"/>
+                </a:schemeClr>
+              </a:solidFill>
+              <a:latin typeface="맑은 고딕" charset="0"/>
+              <a:ea typeface="맑은 고딕" charset="0"/>
+            </a:endParaRPr>
+          </a:p>
+          <a:p>
+            <a:pPr marL="0" indent="0" algn="ctr" fontAlgn="auto" defTabSz="508000">
+              <a:lnSpc>
+                <a:spcPct val="100000"/>
+              </a:lnSpc>
+              <a:spcBef>
+                <a:spcPts val="0"/>
+              </a:spcBef>
+              <a:spcAft>
+                <a:spcPts val="0"/>
+              </a:spcAft>
+              <a:buFontTx/>
+              <a:buNone/>
+            </a:pPr>
+            <a:r>
+              <a:rPr lang="en-US" altLang="ko-KR" sz="1000" cap="none" dirty="0" smtClean="0" b="0" strike="noStrike">
+                <a:solidFill>
+                  <a:schemeClr val="accent1">
+                    <a:lumMod val="75000"/>
+                    <a:lumOff val="0"/>
+                  </a:schemeClr>
+                </a:solidFill>
+                <a:latin typeface="맑은 고딕" charset="0"/>
+                <a:ea typeface="맑은 고딕" charset="0"/>
+              </a:rPr>
+              <a:t>http://devanix.tistory.com/70 - 연산자 우선순위 표</a:t>
+            </a:r>
+            <a:endParaRPr lang="ko-KR" altLang="en-US" sz="1000" cap="none" dirty="0" smtClean="0" b="0" strike="noStrike">
+              <a:solidFill>
+                <a:schemeClr val="accent1">
+                  <a:lumMod val="75000"/>
+                  <a:lumOff val="0"/>
+                </a:schemeClr>
+              </a:solidFill>
+              <a:latin typeface="맑은 고딕" charset="0"/>
+              <a:ea typeface="맑은 고딕" charset="0"/>
+            </a:endParaRPr>
+          </a:p>
+          <a:p>
+            <a:pPr marL="0" indent="0" algn="ctr" fontAlgn="auto" defTabSz="508000">
+              <a:lnSpc>
+                <a:spcPct val="100000"/>
+              </a:lnSpc>
+              <a:spcBef>
+                <a:spcPts val="0"/>
+              </a:spcBef>
+              <a:spcAft>
+                <a:spcPts val="0"/>
+              </a:spcAft>
+              <a:buFontTx/>
+              <a:buNone/>
+            </a:pPr>
+            <a:endParaRPr lang="ko-KR" altLang="en-US" sz="1800" cap="none" dirty="0" smtClean="0" b="0" strike="noStrike">
+              <a:solidFill>
+                <a:schemeClr val="accent1">
+                  <a:lumMod val="75000"/>
+                  <a:lumOff val="0"/>
+                </a:schemeClr>
+              </a:solidFill>
+              <a:latin typeface="맑은 고딕" charset="0"/>
+              <a:ea typeface="맑은 고딕" charset="0"/>
+            </a:endParaRPr>
+          </a:p>
+        </p:txBody>
+      </p:sp>
     </p:spTree>
   </p:cSld>
   <p:clrMapOvr>

--- a/파이썬_세미나_ppt_완료.pptx
+++ b/파이썬_세미나_ppt_완료.pptx
@@ -2,7 +2,7 @@
 <file path=ppt/presentation.xml><?xml version="1.0" encoding="utf-8"?>
 <p:presentation xmlns:a="http://schemas.openxmlformats.org/drawingml/2006/main" xmlns:r="http://schemas.openxmlformats.org/officeDocument/2006/relationships" xmlns:p="http://schemas.openxmlformats.org/presentationml/2006/main" xmlns:p14="http://schemas.microsoft.com/office/powerpoint/2010/main" saveSubsetFonts="1">
   <p:sldMasterIdLst>
-    <p:sldMasterId id="2147483915" r:id="rId13"/>
+    <p:sldMasterId id="2147483916" r:id="rId13"/>
   </p:sldMasterIdLst>
   <p:sldIdLst>
     <p:sldId id="278" r:id="rId15"/>
@@ -72,22 +72,22 @@
     </p:ext>
     <p:ext uri="{EFAFB233-063F-42B5-8137-9DF3F51BA10A}">
       <p15:sldGuideLst xmlns:p15="http://schemas.microsoft.com/office/powerpoint/2012/main">
-        <p15:guide id="0" pos="3822" userDrawn="1">
+        <p15:guide id="0" pos="3821" userDrawn="1">
           <p15:clr>
             <a:srgbClr val="A4A3A4"/>
           </p15:clr>
         </p15:guide>
-        <p15:guide id="1" orient="horz" pos="2147" userDrawn="1">
+        <p15:guide id="1" orient="horz" pos="2146" userDrawn="1">
           <p15:clr>
             <a:srgbClr val="A4A3A4"/>
           </p15:clr>
         </p15:guide>
-        <p15:guide id="4" orient="horz" pos="2447" userDrawn="1">
+        <p15:guide id="4" orient="horz" pos="2446" userDrawn="1">
           <p15:clr>
             <a:srgbClr val="A4A3A4"/>
           </p15:clr>
         </p15:guide>
-        <p15:guide id="4" pos="3922" userDrawn="1">
+        <p15:guide id="4" pos="3921" userDrawn="1">
           <p15:clr>
             <a:srgbClr val="A4A3A4"/>
           </p15:clr>
@@ -5703,7 +5703,7 @@
 </file>
 
 <file path=ppt/slides/slide10.xml><?xml version="1.0" encoding="utf-8"?>
-<p:sld xmlns:a="http://schemas.openxmlformats.org/drawingml/2006/main" xmlns:r="http://schemas.openxmlformats.org/officeDocument/2006/relationships" xmlns:p="http://schemas.openxmlformats.org/presentationml/2006/main">
+<p:sld xmlns:a="http://schemas.openxmlformats.org/drawingml/2006/main" xmlns:r="http://schemas.openxmlformats.org/officeDocument/2006/relationships" xmlns:p="http://schemas.openxmlformats.org/presentationml/2006/main" xmlns:p14="http://schemas.microsoft.com/office/powerpoint/2010/main">
   <p:cSld>
     <p:spTree>
       <p:nvGrpSpPr>
@@ -6003,9 +6003,9 @@
             <p:nvPr/>
           </p:nvSpPr>
           <p:spPr>
-            <a:xfrm rot="0">
+            <a:xfrm>
               <a:off x="7806690" y="3820160"/>
-              <a:ext cx="3479165" cy="539115"/>
+              <a:ext cx="3479800" cy="539750"/>
             </a:xfrm>
             <a:prstGeom prst="rect"/>
             <a:solidFill>
@@ -6033,7 +6033,7 @@
             </a:fontRef>
           </p:style>
           <p:txBody>
-            <a:bodyPr wrap="square" lIns="91440" tIns="45720" rIns="91440" bIns="45720" vert="horz" anchor="ctr">
+            <a:bodyPr wrap="square" lIns="91440" tIns="45720" rIns="91440" bIns="45720" numCol="1" vert="horz" anchor="ctr">
               <a:noAutofit/>
             </a:bodyPr>
             <a:lstStyle/>
@@ -6054,9 +6054,11 @@
               <a:r>
                 <a:rPr lang="en-US" altLang="ko-KR" sz="1800" cap="none" dirty="0" smtClean="0" b="0" strike="noStrike">
                   <a:solidFill>
-                    <a:srgbClr val="000000">
-                      <a:alpha val="45922"/>
-                    </a:srgbClr>
+                    <a:schemeClr val="accent1">
+                      <a:lumMod val="75000"/>
+                      <a:lumOff val="0"/>
+                      <a:alpha val="44745"/>
+                    </a:schemeClr>
                   </a:solidFill>
                   <a:latin typeface="맑은 고딕" charset="0"/>
                   <a:ea typeface="맑은 고딕" charset="0"/>
@@ -6065,9 +6067,11 @@
               </a:r>
               <a:endParaRPr lang="ko-KR" altLang="en-US" sz="1800" cap="none" dirty="0" smtClean="0" b="0" strike="noStrike">
                 <a:solidFill>
-                  <a:srgbClr val="000000">
-                    <a:alpha val="45922"/>
-                  </a:srgbClr>
+                  <a:schemeClr val="accent1">
+                    <a:lumMod val="75000"/>
+                    <a:lumOff val="0"/>
+                    <a:alpha val="44745"/>
+                  </a:schemeClr>
                 </a:solidFill>
                 <a:latin typeface="맑은 고딕" charset="0"/>
                 <a:ea typeface="맑은 고딕" charset="0"/>
@@ -6078,7 +6082,7 @@
       </p:grpSp>
       <p:pic>
         <p:nvPicPr>
-          <p:cNvPr id="15" name="그림 14" descr="C:/Users/PAUL/AppData/Roaming/PolarisOffice/ETemp/1160_48387312/fImage63712196334.png"/>
+          <p:cNvPr id="15" name="그림 14"/>
           <p:cNvPicPr>
             <a:picLocks noChangeAspect="1"/>
           </p:cNvPicPr>
@@ -6107,7 +6111,7 @@
       </p:pic>
       <p:pic>
         <p:nvPicPr>
-          <p:cNvPr id="16" name="그림 15" descr="C:/Users/PAUL/AppData/Roaming/PolarisOffice/ETemp/1160_48387312/fImage119752226500.png"/>
+          <p:cNvPr id="16" name="그림 15"/>
           <p:cNvPicPr>
             <a:picLocks noChangeAspect="1"/>
           </p:cNvPicPr>
@@ -7403,9 +7407,9 @@
             <p:nvPr/>
           </p:nvSpPr>
           <p:spPr>
-            <a:xfrm rot="0">
+            <a:xfrm>
               <a:off x="7806690" y="3820160"/>
-              <a:ext cx="3479165" cy="539115"/>
+              <a:ext cx="3479800" cy="539750"/>
             </a:xfrm>
             <a:prstGeom prst="rect"/>
             <a:solidFill>
@@ -7433,7 +7437,7 @@
             </a:fontRef>
           </p:style>
           <p:txBody>
-            <a:bodyPr wrap="square" lIns="91440" tIns="45720" rIns="91440" bIns="45720" vert="horz" anchor="ctr">
+            <a:bodyPr wrap="square" lIns="91440" tIns="45720" rIns="91440" bIns="45720" numCol="1" vert="horz" anchor="ctr">
               <a:noAutofit/>
             </a:bodyPr>
             <a:lstStyle/>
@@ -7454,9 +7458,11 @@
               <a:r>
                 <a:rPr lang="en-US" altLang="ko-KR" sz="1800" cap="none" dirty="0" smtClean="0" b="0" strike="noStrike">
                   <a:solidFill>
-                    <a:srgbClr val="000000">
-                      <a:alpha val="45922"/>
-                    </a:srgbClr>
+                    <a:schemeClr val="accent1">
+                      <a:lumMod val="75000"/>
+                      <a:lumOff val="0"/>
+                      <a:alpha val="44745"/>
+                    </a:schemeClr>
                   </a:solidFill>
                   <a:latin typeface="맑은 고딕" charset="0"/>
                   <a:ea typeface="맑은 고딕" charset="0"/>
@@ -7465,9 +7471,11 @@
               </a:r>
               <a:endParaRPr lang="ko-KR" altLang="en-US" sz="1800" cap="none" dirty="0" smtClean="0" b="0" strike="noStrike">
                 <a:solidFill>
-                  <a:srgbClr val="000000">
-                    <a:alpha val="45922"/>
-                  </a:srgbClr>
+                  <a:schemeClr val="accent1">
+                    <a:lumMod val="75000"/>
+                    <a:lumOff val="0"/>
+                    <a:alpha val="44745"/>
+                  </a:schemeClr>
                 </a:solidFill>
                 <a:latin typeface="맑은 고딕" charset="0"/>
                 <a:ea typeface="맑은 고딕" charset="0"/>
@@ -7594,7 +7602,7 @@
       </p:pic>
       <p:pic>
         <p:nvPicPr>
-          <p:cNvPr id="20" name="그림 19" descr="C:/Users/PAUL/AppData/Roaming/PolarisOffice/ETemp/10120_51544248/fImage69132598145.png"/>
+          <p:cNvPr id="20" name="그림 19"/>
           <p:cNvPicPr>
             <a:picLocks noChangeAspect="1"/>
           </p:cNvPicPr>

--- a/파이썬_세미나_ppt_완료.pptx
+++ b/파이썬_세미나_ppt_완료.pptx
@@ -2,7 +2,7 @@
 <file path=ppt/presentation.xml><?xml version="1.0" encoding="utf-8"?>
 <p:presentation xmlns:a="http://schemas.openxmlformats.org/drawingml/2006/main" xmlns:r="http://schemas.openxmlformats.org/officeDocument/2006/relationships" xmlns:p="http://schemas.openxmlformats.org/presentationml/2006/main" xmlns:p14="http://schemas.microsoft.com/office/powerpoint/2010/main" saveSubsetFonts="1">
   <p:sldMasterIdLst>
-    <p:sldMasterId id="2147483916" r:id="rId13"/>
+    <p:sldMasterId id="2147483930" r:id="rId13"/>
   </p:sldMasterIdLst>
   <p:sldIdLst>
     <p:sldId id="278" r:id="rId15"/>
@@ -72,22 +72,22 @@
     </p:ext>
     <p:ext uri="{EFAFB233-063F-42B5-8137-9DF3F51BA10A}">
       <p15:sldGuideLst xmlns:p15="http://schemas.microsoft.com/office/powerpoint/2012/main">
-        <p15:guide id="0" pos="3821" userDrawn="1">
+        <p15:guide id="0" pos="3820" userDrawn="1">
           <p15:clr>
             <a:srgbClr val="A4A3A4"/>
           </p15:clr>
         </p15:guide>
-        <p15:guide id="1" orient="horz" pos="2146" userDrawn="1">
+        <p15:guide id="1" orient="horz" pos="2145" userDrawn="1">
           <p15:clr>
             <a:srgbClr val="A4A3A4"/>
           </p15:clr>
         </p15:guide>
-        <p15:guide id="4" orient="horz" pos="2446" userDrawn="1">
+        <p15:guide id="4" orient="horz" pos="2445" userDrawn="1">
           <p15:clr>
             <a:srgbClr val="A4A3A4"/>
           </p15:clr>
         </p15:guide>
-        <p15:guide id="4" pos="3921" userDrawn="1">
+        <p15:guide id="4" pos="3920" userDrawn="1">
           <p15:clr>
             <a:srgbClr val="A4A3A4"/>
           </p15:clr>
@@ -6082,7 +6082,7 @@
       </p:grpSp>
       <p:pic>
         <p:nvPicPr>
-          <p:cNvPr id="15" name="그림 14"/>
+          <p:cNvPr id="15" name="그림 14" descr="C:/Users/PAUL/AppData/Roaming/PolarisOffice/ETemp/10588_17707184/fImage63712196334.png"/>
           <p:cNvPicPr>
             <a:picLocks noChangeAspect="1"/>
           </p:cNvPicPr>
@@ -6096,14 +6096,15 @@
               </a:ext>
             </a:extLst>
           </a:blip>
+          <a:srcRect/>
           <a:stretch>
             <a:fillRect/>
           </a:stretch>
         </p:blipFill>
         <p:spPr>
           <a:xfrm rot="0">
-            <a:off x="442595" y="5318125"/>
-            <a:ext cx="5900420" cy="791210"/>
+            <a:off x="442595" y="5052060"/>
+            <a:ext cx="5901055" cy="791845"/>
           </a:xfrm>
           <a:prstGeom prst="rect"/>
           <a:noFill/>
@@ -6111,7 +6112,7 @@
       </p:pic>
       <p:pic>
         <p:nvPicPr>
-          <p:cNvPr id="16" name="그림 15"/>
+          <p:cNvPr id="16" name="그림 15" descr="C:/Users/PAUL/AppData/Roaming/PolarisOffice/ETemp/10588_17707184/fImage119752226500.png"/>
           <p:cNvPicPr>
             <a:picLocks noChangeAspect="1"/>
           </p:cNvPicPr>
@@ -6125,6 +6126,7 @@
               </a:ext>
             </a:extLst>
           </a:blip>
+          <a:srcRect/>
           <a:stretch>
             <a:fillRect/>
           </a:stretch>
@@ -6132,10 +6134,21 @@
         <p:spPr>
           <a:xfrm rot="0">
             <a:off x="440690" y="638175"/>
-            <a:ext cx="2648585" cy="3886835"/>
+            <a:ext cx="2649220" cy="3887470"/>
           </a:xfrm>
           <a:prstGeom prst="rect"/>
           <a:noFill/>
+          <a:ln w="9525" cap="flat" cmpd="sng">
+            <a:solidFill>
+              <a:schemeClr val="accent1">
+                <a:lumMod val="60000"/>
+                <a:lumOff val="40000"/>
+                <a:alpha val="100000"/>
+              </a:schemeClr>
+            </a:solidFill>
+            <a:prstDash val="solid"/>
+            <a:round/>
+          </a:ln>
         </p:spPr>
       </p:pic>
     </p:spTree>
@@ -6788,7 +6801,7 @@
       </p:grpSp>
       <p:pic>
         <p:nvPicPr>
-          <p:cNvPr id="14" name="그림 13" descr="C:/Users/PAUL/AppData/Roaming/PolarisOffice/ETemp/1160_48387312/fImage40461429169.png"/>
+          <p:cNvPr id="14" name="그림 13" descr="C:/Users/PAUL/AppData/Roaming/PolarisOffice/ETemp/10588_17707184/fImage40461429169.png"/>
           <p:cNvPicPr>
             <a:picLocks noChangeAspect="1"/>
           </p:cNvPicPr>
@@ -6802,14 +6815,15 @@
               </a:ext>
             </a:extLst>
           </a:blip>
+          <a:srcRect/>
           <a:stretch>
             <a:fillRect/>
           </a:stretch>
         </p:blipFill>
         <p:spPr>
           <a:xfrm rot="0">
-            <a:off x="436245" y="2668270"/>
-            <a:ext cx="1629410" cy="1705610"/>
+            <a:off x="436245" y="2576830"/>
+            <a:ext cx="1630045" cy="1706245"/>
           </a:xfrm>
           <a:prstGeom prst="rect"/>
           <a:noFill/>
@@ -6817,7 +6831,7 @@
       </p:pic>
       <p:pic>
         <p:nvPicPr>
-          <p:cNvPr id="18" name="그림 17" descr="C:/Users/PAUL/AppData/Roaming/PolarisOffice/ETemp/1160_48387312/fImage22862455724.png"/>
+          <p:cNvPr id="18" name="그림 17" descr="C:/Users/PAUL/AppData/Roaming/PolarisOffice/ETemp/10588_17707184/fImage22862455724.png"/>
           <p:cNvPicPr>
             <a:picLocks noChangeAspect="1"/>
           </p:cNvPicPr>
@@ -6831,14 +6845,15 @@
               </a:ext>
             </a:extLst>
           </a:blip>
+          <a:srcRect/>
           <a:stretch>
             <a:fillRect/>
           </a:stretch>
         </p:blipFill>
         <p:spPr>
           <a:xfrm rot="0">
-            <a:off x="441325" y="4700905"/>
-            <a:ext cx="1334135" cy="915035"/>
+            <a:off x="441325" y="4617720"/>
+            <a:ext cx="1334770" cy="915670"/>
           </a:xfrm>
           <a:prstGeom prst="rect"/>
           <a:noFill/>
@@ -6846,7 +6861,7 @@
       </p:pic>
       <p:pic>
         <p:nvPicPr>
-          <p:cNvPr id="19" name="그림 18" descr="C:/Users/PAUL/AppData/Roaming/PolarisOffice/ETemp/1160_48387312/fImage73872461478.png"/>
+          <p:cNvPr id="19" name="그림 18" descr="C:/Users/PAUL/AppData/Roaming/PolarisOffice/ETemp/10588_17707184/fImage73872461478.png"/>
           <p:cNvPicPr>
             <a:picLocks noChangeAspect="1"/>
           </p:cNvPicPr>
@@ -6860,6 +6875,7 @@
               </a:ext>
             </a:extLst>
           </a:blip>
+          <a:srcRect/>
           <a:stretch>
             <a:fillRect/>
           </a:stretch>
@@ -6867,10 +6883,21 @@
         <p:spPr>
           <a:xfrm rot="0">
             <a:off x="440055" y="690880"/>
-            <a:ext cx="3315335" cy="1753235"/>
+            <a:ext cx="3315970" cy="1753870"/>
           </a:xfrm>
           <a:prstGeom prst="rect"/>
           <a:noFill/>
+          <a:ln w="9525" cap="flat" cmpd="sng">
+            <a:solidFill>
+              <a:schemeClr val="accent1">
+                <a:lumMod val="60000"/>
+                <a:lumOff val="40000"/>
+                <a:alpha val="100000"/>
+              </a:schemeClr>
+            </a:solidFill>
+            <a:prstDash val="solid"/>
+            <a:round/>
+          </a:ln>
         </p:spPr>
       </p:pic>
     </p:spTree>
@@ -7573,7 +7600,7 @@
       </p:pic>
       <p:pic>
         <p:nvPicPr>
-          <p:cNvPr id="19" name="그림 18"/>
+          <p:cNvPr id="19" name="그림 18" descr="C:/Users/PAUL/AppData/Roaming/PolarisOffice/ETemp/10588_17707184/fImage65232585705.png"/>
           <p:cNvPicPr>
             <a:picLocks noChangeAspect="1"/>
           </p:cNvPicPr>
@@ -7587,6 +7614,7 @@
               </a:ext>
             </a:extLst>
           </a:blip>
+          <a:srcRect/>
           <a:stretch>
             <a:fillRect/>
           </a:stretch>
@@ -7594,15 +7622,26 @@
         <p:spPr>
           <a:xfrm rot="0">
             <a:off x="438785" y="748665"/>
-            <a:ext cx="3267710" cy="3001010"/>
+            <a:ext cx="3268345" cy="3001645"/>
           </a:xfrm>
           <a:prstGeom prst="rect"/>
           <a:noFill/>
+          <a:ln w="9525" cap="flat" cmpd="sng">
+            <a:solidFill>
+              <a:schemeClr val="accent1">
+                <a:lumMod val="60000"/>
+                <a:lumOff val="40000"/>
+                <a:alpha val="100000"/>
+              </a:schemeClr>
+            </a:solidFill>
+            <a:prstDash val="solid"/>
+            <a:round/>
+          </a:ln>
         </p:spPr>
       </p:pic>
       <p:pic>
         <p:nvPicPr>
-          <p:cNvPr id="20" name="그림 19"/>
+          <p:cNvPr id="20" name="그림 19" descr="C:/Users/PAUL/AppData/Roaming/PolarisOffice/ETemp/10588_17707184/fImage69132598145.png"/>
           <p:cNvPicPr>
             <a:picLocks noChangeAspect="1"/>
           </p:cNvPicPr>
@@ -7624,10 +7663,21 @@
         <p:spPr>
           <a:xfrm rot="0">
             <a:off x="439420" y="4285615"/>
-            <a:ext cx="3382645" cy="2344420"/>
+            <a:ext cx="3383280" cy="2345055"/>
           </a:xfrm>
           <a:prstGeom prst="rect"/>
           <a:noFill/>
+          <a:ln w="9525" cap="flat" cmpd="sng">
+            <a:solidFill>
+              <a:schemeClr val="accent1">
+                <a:lumMod val="60000"/>
+                <a:lumOff val="40000"/>
+                <a:alpha val="100000"/>
+              </a:schemeClr>
+            </a:solidFill>
+            <a:prstDash val="solid"/>
+            <a:round/>
+          </a:ln>
         </p:spPr>
       </p:pic>
     </p:spTree>
@@ -9333,7 +9383,7 @@
       </p:grpSp>
       <p:pic>
         <p:nvPicPr>
-          <p:cNvPr id="17" name="그림 16"/>
+          <p:cNvPr id="17" name="그림 16" descr="C:/Users/PAUL/AppData/Roaming/PolarisOffice/ETemp/10588_17707184/fImage191213741.png"/>
           <p:cNvPicPr>
             <a:picLocks noChangeAspect="1"/>
           </p:cNvPicPr>
@@ -9347,17 +9397,29 @@
               </a:ext>
             </a:extLst>
           </a:blip>
+          <a:srcRect/>
           <a:stretch>
             <a:fillRect/>
           </a:stretch>
         </p:blipFill>
         <p:spPr>
           <a:xfrm rot="0">
-            <a:off x="163195" y="5808980"/>
-            <a:ext cx="2439035" cy="362585"/>
+            <a:off x="254635" y="5808980"/>
+            <a:ext cx="2439670" cy="363220"/>
           </a:xfrm>
           <a:prstGeom prst="rect"/>
           <a:noFill/>
+          <a:ln w="9525" cap="flat" cmpd="sng">
+            <a:solidFill>
+              <a:schemeClr val="accent1">
+                <a:lumMod val="60000"/>
+                <a:lumOff val="40000"/>
+                <a:alpha val="100000"/>
+              </a:schemeClr>
+            </a:solidFill>
+            <a:prstDash val="solid"/>
+            <a:round/>
+          </a:ln>
         </p:spPr>
       </p:pic>
       <p:pic>
@@ -10265,7 +10327,7 @@
       </p:grpSp>
       <p:pic>
         <p:nvPicPr>
-          <p:cNvPr id="14" name="그림 13"/>
+          <p:cNvPr id="14" name="그림 13" descr="C:/Users/PAUL/AppData/Roaming/PolarisOffice/ETemp/10588_17707184/fImage52741386334.png"/>
           <p:cNvPicPr>
             <a:picLocks noChangeAspect="1"/>
           </p:cNvPicPr>
@@ -10279,17 +10341,29 @@
               </a:ext>
             </a:extLst>
           </a:blip>
+          <a:srcRect/>
           <a:stretch>
             <a:fillRect/>
           </a:stretch>
         </p:blipFill>
         <p:spPr>
           <a:xfrm rot="0">
-            <a:off x="295910" y="858520"/>
-            <a:ext cx="3972560" cy="819785"/>
+            <a:off x="220980" y="858520"/>
+            <a:ext cx="3973195" cy="820420"/>
           </a:xfrm>
           <a:prstGeom prst="rect"/>
           <a:noFill/>
+          <a:ln w="9525" cap="flat" cmpd="sng">
+            <a:solidFill>
+              <a:schemeClr val="accent1">
+                <a:lumMod val="60000"/>
+                <a:lumOff val="40000"/>
+                <a:alpha val="100000"/>
+              </a:schemeClr>
+            </a:solidFill>
+            <a:prstDash val="solid"/>
+            <a:round/>
+          </a:ln>
         </p:spPr>
       </p:pic>
       <p:pic>
@@ -10381,7 +10455,7 @@
       </p:pic>
       <p:pic>
         <p:nvPicPr>
-          <p:cNvPr id="24" name="그림 23"/>
+          <p:cNvPr id="24" name="그림 23" descr="C:/Users/PAUL/AppData/Roaming/PolarisOffice/ETemp/10588_17707184/fImage33642451478.png"/>
           <p:cNvPicPr>
             <a:picLocks noChangeAspect="1"/>
           </p:cNvPicPr>
@@ -10395,22 +10469,34 @@
               </a:ext>
             </a:extLst>
           </a:blip>
+          <a:srcRect/>
           <a:stretch>
             <a:fillRect/>
           </a:stretch>
         </p:blipFill>
         <p:spPr>
           <a:xfrm rot="0">
-            <a:off x="291465" y="2731770"/>
-            <a:ext cx="2829560" cy="743585"/>
+            <a:off x="224790" y="2690495"/>
+            <a:ext cx="2830195" cy="744220"/>
           </a:xfrm>
           <a:prstGeom prst="rect"/>
           <a:noFill/>
+          <a:ln w="9525" cap="flat" cmpd="sng">
+            <a:solidFill>
+              <a:schemeClr val="accent1">
+                <a:lumMod val="60000"/>
+                <a:lumOff val="40000"/>
+                <a:alpha val="100000"/>
+              </a:schemeClr>
+            </a:solidFill>
+            <a:prstDash val="solid"/>
+            <a:round/>
+          </a:ln>
         </p:spPr>
       </p:pic>
       <p:pic>
         <p:nvPicPr>
-          <p:cNvPr id="25" name="그림 24"/>
+          <p:cNvPr id="25" name="그림 24" descr="C:/Users/PAUL/AppData/Roaming/PolarisOffice/ETemp/10588_17707184/fImage18772469358.png"/>
           <p:cNvPicPr>
             <a:picLocks noChangeAspect="1"/>
           </p:cNvPicPr>
@@ -10424,22 +10510,34 @@
               </a:ext>
             </a:extLst>
           </a:blip>
+          <a:srcRect/>
           <a:stretch>
             <a:fillRect/>
           </a:stretch>
         </p:blipFill>
         <p:spPr>
           <a:xfrm rot="0">
-            <a:off x="292100" y="4597400"/>
-            <a:ext cx="2591435" cy="410210"/>
+            <a:off x="225425" y="4547235"/>
+            <a:ext cx="2592070" cy="410845"/>
           </a:xfrm>
           <a:prstGeom prst="rect"/>
           <a:noFill/>
+          <a:ln w="9525" cap="flat" cmpd="sng">
+            <a:solidFill>
+              <a:schemeClr val="accent1">
+                <a:lumMod val="60000"/>
+                <a:lumOff val="40000"/>
+                <a:alpha val="100000"/>
+              </a:schemeClr>
+            </a:solidFill>
+            <a:prstDash val="solid"/>
+            <a:round/>
+          </a:ln>
         </p:spPr>
       </p:pic>
       <p:pic>
         <p:nvPicPr>
-          <p:cNvPr id="26" name="그림 25"/>
+          <p:cNvPr id="26" name="그림 25" descr="C:/Users/PAUL/AppData/Roaming/PolarisOffice/ETemp/10588_17707184/fImage8102506962.png"/>
           <p:cNvPicPr>
             <a:picLocks noChangeAspect="1"/>
           </p:cNvPicPr>
@@ -10453,14 +10551,15 @@
               </a:ext>
             </a:extLst>
           </a:blip>
+          <a:srcRect/>
           <a:stretch>
             <a:fillRect/>
           </a:stretch>
         </p:blipFill>
         <p:spPr>
           <a:xfrm rot="0">
-            <a:off x="4544060" y="6140450"/>
-            <a:ext cx="1753235" cy="372110"/>
+            <a:off x="4485640" y="6057265"/>
+            <a:ext cx="1753870" cy="372745"/>
           </a:xfrm>
           <a:prstGeom prst="rect"/>
           <a:noFill/>
@@ -10468,7 +10567,7 @@
       </p:pic>
       <p:pic>
         <p:nvPicPr>
-          <p:cNvPr id="27" name="그림 26"/>
+          <p:cNvPr id="27" name="그림 26" descr="C:/Users/PAUL/AppData/Roaming/PolarisOffice/ETemp/10588_17707184/fImage23932554464.png"/>
           <p:cNvPicPr>
             <a:picLocks noChangeAspect="1"/>
           </p:cNvPicPr>
@@ -10482,17 +10581,29 @@
               </a:ext>
             </a:extLst>
           </a:blip>
+          <a:srcRect/>
           <a:stretch>
             <a:fillRect/>
           </a:stretch>
         </p:blipFill>
         <p:spPr>
           <a:xfrm rot="0">
-            <a:off x="239395" y="6144895"/>
-            <a:ext cx="3601085" cy="410210"/>
+            <a:off x="222885" y="6019800"/>
+            <a:ext cx="3601720" cy="410845"/>
           </a:xfrm>
           <a:prstGeom prst="rect"/>
           <a:noFill/>
+          <a:ln w="9525" cap="flat" cmpd="sng">
+            <a:solidFill>
+              <a:schemeClr val="accent1">
+                <a:lumMod val="60000"/>
+                <a:lumOff val="40000"/>
+                <a:alpha val="100000"/>
+              </a:schemeClr>
+            </a:solidFill>
+            <a:prstDash val="solid"/>
+            <a:round/>
+          </a:ln>
         </p:spPr>
       </p:pic>
     </p:spTree>
@@ -11358,7 +11469,7 @@
       </p:pic>
       <p:pic>
         <p:nvPicPr>
-          <p:cNvPr id="18" name="그림 17"/>
+          <p:cNvPr id="18" name="그림 17" descr="C:/Users/PAUL/AppData/Roaming/PolarisOffice/ETemp/10588_17707184/fImage53732523281.png"/>
           <p:cNvPicPr>
             <a:picLocks noChangeAspect="1"/>
           </p:cNvPicPr>
@@ -11372,6 +11483,7 @@
               </a:ext>
             </a:extLst>
           </a:blip>
+          <a:srcRect/>
           <a:stretch>
             <a:fillRect/>
           </a:stretch>
@@ -11379,15 +11491,26 @@
         <p:spPr>
           <a:xfrm rot="0">
             <a:off x="243840" y="3413125"/>
-            <a:ext cx="3305810" cy="1191260"/>
+            <a:ext cx="3306445" cy="1191895"/>
           </a:xfrm>
           <a:prstGeom prst="rect"/>
           <a:noFill/>
+          <a:ln w="9525" cap="flat" cmpd="sng">
+            <a:solidFill>
+              <a:schemeClr val="accent1">
+                <a:lumMod val="60000"/>
+                <a:lumOff val="40000"/>
+                <a:alpha val="100000"/>
+              </a:schemeClr>
+            </a:solidFill>
+            <a:prstDash val="solid"/>
+            <a:round/>
+          </a:ln>
         </p:spPr>
       </p:pic>
       <p:pic>
         <p:nvPicPr>
-          <p:cNvPr id="19" name="그림 18"/>
+          <p:cNvPr id="19" name="그림 18" descr="C:/Users/PAUL/AppData/Roaming/PolarisOffice/ETemp/10588_17707184/fImage14122536827.png"/>
           <p:cNvPicPr>
             <a:picLocks noChangeAspect="1"/>
           </p:cNvPicPr>
@@ -11401,14 +11524,15 @@
               </a:ext>
             </a:extLst>
           </a:blip>
+          <a:srcRect/>
           <a:stretch>
             <a:fillRect/>
           </a:stretch>
         </p:blipFill>
         <p:spPr>
           <a:xfrm rot="0">
-            <a:off x="3792220" y="5508625"/>
-            <a:ext cx="2305685" cy="381635"/>
+            <a:off x="4141470" y="5201285"/>
+            <a:ext cx="2306320" cy="382270"/>
           </a:xfrm>
           <a:prstGeom prst="rect"/>
           <a:noFill/>
@@ -11416,7 +11540,7 @@
       </p:pic>
       <p:pic>
         <p:nvPicPr>
-          <p:cNvPr id="20" name="그림 19"/>
+          <p:cNvPr id="20" name="그림 19" descr="C:/Users/PAUL/AppData/Roaming/PolarisOffice/ETemp/10588_17707184/fImage23342549961.png"/>
           <p:cNvPicPr>
             <a:picLocks noChangeAspect="1"/>
           </p:cNvPicPr>
@@ -11430,17 +11554,29 @@
               </a:ext>
             </a:extLst>
           </a:blip>
+          <a:srcRect/>
           <a:stretch>
             <a:fillRect/>
           </a:stretch>
         </p:blipFill>
         <p:spPr>
           <a:xfrm rot="0">
-            <a:off x="258445" y="5505450"/>
-            <a:ext cx="3420110" cy="419735"/>
+            <a:off x="266700" y="5164455"/>
+            <a:ext cx="3420745" cy="420370"/>
           </a:xfrm>
           <a:prstGeom prst="rect"/>
           <a:noFill/>
+          <a:ln w="9525" cap="flat" cmpd="sng">
+            <a:solidFill>
+              <a:schemeClr val="accent1">
+                <a:lumMod val="60000"/>
+                <a:lumOff val="40000"/>
+                <a:alpha val="100000"/>
+              </a:schemeClr>
+            </a:solidFill>
+            <a:prstDash val="solid"/>
+            <a:round/>
+          </a:ln>
         </p:spPr>
       </p:pic>
     </p:spTree>
@@ -12182,7 +12318,7 @@
       </p:pic>
       <p:pic>
         <p:nvPicPr>
-          <p:cNvPr id="15" name="그림 14"/>
+          <p:cNvPr id="15" name="그림 14" descr="C:/Users/PAUL/AppData/Roaming/PolarisOffice/ETemp/10588_17707184/fImage8422282995.png"/>
           <p:cNvPicPr>
             <a:picLocks noChangeAspect="1"/>
           </p:cNvPicPr>
@@ -12196,14 +12332,15 @@
               </a:ext>
             </a:extLst>
           </a:blip>
+          <a:srcRect/>
           <a:stretch>
             <a:fillRect/>
           </a:stretch>
         </p:blipFill>
         <p:spPr>
           <a:xfrm rot="0">
-            <a:off x="4929505" y="4612005"/>
-            <a:ext cx="1648460" cy="381635"/>
+            <a:off x="4838700" y="4396105"/>
+            <a:ext cx="1649095" cy="382270"/>
           </a:xfrm>
           <a:prstGeom prst="rect"/>
           <a:noFill/>
@@ -12211,7 +12348,7 @@
       </p:pic>
       <p:pic>
         <p:nvPicPr>
-          <p:cNvPr id="16" name="그림 15"/>
+          <p:cNvPr id="16" name="그림 15" descr="C:/Users/PAUL/AppData/Roaming/PolarisOffice/ETemp/10588_17707184/fImage58552561942.png"/>
           <p:cNvPicPr>
             <a:picLocks noChangeAspect="1"/>
           </p:cNvPicPr>
@@ -12225,6 +12362,7 @@
               </a:ext>
             </a:extLst>
           </a:blip>
+          <a:srcRect/>
           <a:stretch>
             <a:fillRect/>
           </a:stretch>
@@ -12232,15 +12370,26 @@
         <p:spPr>
           <a:xfrm rot="0">
             <a:off x="261620" y="666115"/>
-            <a:ext cx="4334510" cy="810260"/>
+            <a:ext cx="4335145" cy="810895"/>
           </a:xfrm>
           <a:prstGeom prst="rect"/>
           <a:noFill/>
+          <a:ln w="9525" cap="flat" cmpd="sng">
+            <a:solidFill>
+              <a:schemeClr val="accent1">
+                <a:lumMod val="60000"/>
+                <a:lumOff val="40000"/>
+                <a:alpha val="100000"/>
+              </a:schemeClr>
+            </a:solidFill>
+            <a:prstDash val="solid"/>
+            <a:round/>
+          </a:ln>
         </p:spPr>
       </p:pic>
       <p:pic>
         <p:nvPicPr>
-          <p:cNvPr id="17" name="그림 16"/>
+          <p:cNvPr id="17" name="그림 16" descr="C:/Users/PAUL/AppData/Roaming/PolarisOffice/ETemp/10588_17707184/fImage51212574827.png"/>
           <p:cNvPicPr>
             <a:picLocks noChangeAspect="1"/>
           </p:cNvPicPr>
@@ -12254,6 +12403,7 @@
               </a:ext>
             </a:extLst>
           </a:blip>
+          <a:srcRect/>
           <a:stretch>
             <a:fillRect/>
           </a:stretch>
@@ -12261,15 +12411,26 @@
         <p:spPr>
           <a:xfrm rot="0">
             <a:off x="262890" y="2110740"/>
-            <a:ext cx="2934335" cy="1381760"/>
+            <a:ext cx="2934970" cy="1382395"/>
           </a:xfrm>
           <a:prstGeom prst="rect"/>
           <a:noFill/>
+          <a:ln w="9525" cap="flat" cmpd="sng">
+            <a:solidFill>
+              <a:schemeClr val="accent1">
+                <a:lumMod val="60000"/>
+                <a:lumOff val="40000"/>
+                <a:alpha val="100000"/>
+              </a:schemeClr>
+            </a:solidFill>
+            <a:prstDash val="solid"/>
+            <a:round/>
+          </a:ln>
         </p:spPr>
       </p:pic>
       <p:pic>
         <p:nvPicPr>
-          <p:cNvPr id="18" name="그림 17"/>
+          <p:cNvPr id="18" name="그림 17" descr="C:/Users/PAUL/AppData/Roaming/PolarisOffice/ETemp/10588_17707184/fImage34582595436.png"/>
           <p:cNvPicPr>
             <a:picLocks noChangeAspect="1"/>
           </p:cNvPicPr>
@@ -12283,17 +12444,29 @@
               </a:ext>
             </a:extLst>
           </a:blip>
+          <a:srcRect/>
           <a:stretch>
             <a:fillRect/>
           </a:stretch>
         </p:blipFill>
         <p:spPr>
           <a:xfrm rot="0">
-            <a:off x="253365" y="4537075"/>
-            <a:ext cx="3667760" cy="562610"/>
+            <a:off x="269875" y="4396105"/>
+            <a:ext cx="3668395" cy="563245"/>
           </a:xfrm>
           <a:prstGeom prst="rect"/>
           <a:noFill/>
+          <a:ln w="9525" cap="flat" cmpd="sng">
+            <a:solidFill>
+              <a:schemeClr val="accent1">
+                <a:lumMod val="60000"/>
+                <a:lumOff val="40000"/>
+                <a:alpha val="100000"/>
+              </a:schemeClr>
+            </a:solidFill>
+            <a:prstDash val="solid"/>
+            <a:round/>
+          </a:ln>
         </p:spPr>
       </p:pic>
     </p:spTree>
@@ -13163,7 +13336,7 @@
       </p:pic>
       <p:pic>
         <p:nvPicPr>
-          <p:cNvPr id="16" name="그림 15"/>
+          <p:cNvPr id="16" name="그림 15" descr="C:/Users/PAUL/AppData/Roaming/PolarisOffice/ETemp/10588_17707184/fImage101852603902.png"/>
           <p:cNvPicPr>
             <a:picLocks noChangeAspect="1"/>
           </p:cNvPicPr>
@@ -13177,6 +13350,7 @@
               </a:ext>
             </a:extLst>
           </a:blip>
+          <a:srcRect/>
           <a:stretch>
             <a:fillRect/>
           </a:stretch>
@@ -13184,15 +13358,26 @@
         <p:spPr>
           <a:xfrm rot="0">
             <a:off x="528320" y="664210"/>
-            <a:ext cx="3801110" cy="2543175"/>
+            <a:ext cx="3801745" cy="2543810"/>
           </a:xfrm>
           <a:prstGeom prst="rect"/>
           <a:noFill/>
+          <a:ln w="9525" cap="flat" cmpd="sng">
+            <a:solidFill>
+              <a:schemeClr val="accent1">
+                <a:lumMod val="60000"/>
+                <a:lumOff val="40000"/>
+                <a:alpha val="100000"/>
+              </a:schemeClr>
+            </a:solidFill>
+            <a:prstDash val="solid"/>
+            <a:round/>
+          </a:ln>
         </p:spPr>
       </p:pic>
       <p:pic>
         <p:nvPicPr>
-          <p:cNvPr id="17" name="그림 16"/>
+          <p:cNvPr id="17" name="그림 16" descr="C:/Users/PAUL/AppData/Roaming/PolarisOffice/ETemp/10588_17707184/fImage8044261153.png"/>
           <p:cNvPicPr>
             <a:picLocks noChangeAspect="1"/>
           </p:cNvPicPr>
@@ -13206,17 +13391,29 @@
               </a:ext>
             </a:extLst>
           </a:blip>
+          <a:srcRect/>
           <a:stretch>
             <a:fillRect/>
           </a:stretch>
         </p:blipFill>
         <p:spPr>
           <a:xfrm rot="0">
-            <a:off x="528320" y="3952875"/>
-            <a:ext cx="2848610" cy="2398395"/>
+            <a:off x="520065" y="3944620"/>
+            <a:ext cx="2849245" cy="2399030"/>
           </a:xfrm>
           <a:prstGeom prst="rect"/>
           <a:noFill/>
+          <a:ln w="9525" cap="flat" cmpd="sng">
+            <a:solidFill>
+              <a:schemeClr val="accent1">
+                <a:lumMod val="60000"/>
+                <a:lumOff val="40000"/>
+                <a:alpha val="100000"/>
+              </a:schemeClr>
+            </a:solidFill>
+            <a:prstDash val="solid"/>
+            <a:round/>
+          </a:ln>
         </p:spPr>
       </p:pic>
     </p:spTree>
@@ -13838,7 +14035,7 @@
       </p:grpSp>
       <p:pic>
         <p:nvPicPr>
-          <p:cNvPr id="14" name="그림 13"/>
+          <p:cNvPr id="14" name="그림 13" descr="C:/Users/PAUL/AppData/Roaming/PolarisOffice/ETemp/10588_17707184/fImage950238292.png"/>
           <p:cNvPicPr>
             <a:picLocks noChangeAspect="1"/>
           </p:cNvPicPr>
@@ -13852,14 +14049,15 @@
               </a:ext>
             </a:extLst>
           </a:blip>
+          <a:srcRect/>
           <a:stretch>
             <a:fillRect/>
           </a:stretch>
         </p:blipFill>
         <p:spPr>
           <a:xfrm rot="0">
-            <a:off x="4522470" y="653415"/>
-            <a:ext cx="1400810" cy="391160"/>
+            <a:off x="4572635" y="603250"/>
+            <a:ext cx="1401445" cy="391795"/>
           </a:xfrm>
           <a:prstGeom prst="rect"/>
           <a:noFill/>
@@ -13867,7 +14065,7 @@
       </p:pic>
       <p:pic>
         <p:nvPicPr>
-          <p:cNvPr id="15" name="그림 14"/>
+          <p:cNvPr id="15" name="그림 14" descr="C:/Users/PAUL/AppData/Roaming/PolarisOffice/ETemp/10588_17707184/fImage9492392382.png"/>
           <p:cNvPicPr>
             <a:picLocks noChangeAspect="1"/>
           </p:cNvPicPr>
@@ -13881,14 +14079,15 @@
               </a:ext>
             </a:extLst>
           </a:blip>
+          <a:srcRect/>
           <a:stretch>
             <a:fillRect/>
           </a:stretch>
         </p:blipFill>
         <p:spPr>
           <a:xfrm rot="0">
-            <a:off x="4561840" y="3832225"/>
-            <a:ext cx="1400810" cy="400685"/>
+            <a:off x="4570095" y="3716020"/>
+            <a:ext cx="1401445" cy="401320"/>
           </a:xfrm>
           <a:prstGeom prst="rect"/>
           <a:noFill/>
@@ -13896,7 +14095,7 @@
       </p:pic>
       <p:pic>
         <p:nvPicPr>
-          <p:cNvPr id="16" name="그림 15"/>
+          <p:cNvPr id="16" name="그림 15" descr="C:/Users/PAUL/AppData/Roaming/PolarisOffice/ETemp/10588_17707184/fImage49652627421.png"/>
           <p:cNvPicPr>
             <a:picLocks noChangeAspect="1"/>
           </p:cNvPicPr>
@@ -13910,22 +14109,34 @@
               </a:ext>
             </a:extLst>
           </a:blip>
+          <a:srcRect/>
           <a:stretch>
             <a:fillRect/>
           </a:stretch>
         </p:blipFill>
         <p:spPr>
           <a:xfrm rot="0">
-            <a:off x="508000" y="650240"/>
-            <a:ext cx="2477135" cy="1381760"/>
+            <a:off x="441325" y="617220"/>
+            <a:ext cx="2477770" cy="1382395"/>
           </a:xfrm>
           <a:prstGeom prst="rect"/>
           <a:noFill/>
+          <a:ln w="9525" cap="flat" cmpd="sng">
+            <a:solidFill>
+              <a:schemeClr val="accent1">
+                <a:lumMod val="60000"/>
+                <a:lumOff val="40000"/>
+                <a:alpha val="100000"/>
+              </a:schemeClr>
+            </a:solidFill>
+            <a:prstDash val="solid"/>
+            <a:round/>
+          </a:ln>
         </p:spPr>
       </p:pic>
       <p:pic>
         <p:nvPicPr>
-          <p:cNvPr id="17" name="그림 16"/>
+          <p:cNvPr id="17" name="그림 16" descr="C:/Users/PAUL/AppData/Roaming/PolarisOffice/ETemp/10588_17707184/fImage90692638716.png"/>
           <p:cNvPicPr>
             <a:picLocks noChangeAspect="1"/>
           </p:cNvPicPr>
@@ -13939,17 +14150,29 @@
               </a:ext>
             </a:extLst>
           </a:blip>
+          <a:srcRect/>
           <a:stretch>
             <a:fillRect/>
           </a:stretch>
         </p:blipFill>
         <p:spPr>
           <a:xfrm rot="0">
-            <a:off x="444500" y="3835400"/>
-            <a:ext cx="3810635" cy="1934210"/>
+            <a:off x="444500" y="3719195"/>
+            <a:ext cx="3811270" cy="1934845"/>
           </a:xfrm>
           <a:prstGeom prst="rect"/>
           <a:noFill/>
+          <a:ln w="9525" cap="flat" cmpd="sng">
+            <a:solidFill>
+              <a:schemeClr val="accent1">
+                <a:lumMod val="60000"/>
+                <a:lumOff val="40000"/>
+                <a:alpha val="100000"/>
+              </a:schemeClr>
+            </a:solidFill>
+            <a:prstDash val="solid"/>
+            <a:round/>
+          </a:ln>
         </p:spPr>
       </p:pic>
     </p:spTree>
@@ -14507,7 +14730,7 @@
       </p:grpSp>
       <p:pic>
         <p:nvPicPr>
-          <p:cNvPr id="14" name="그림 13" descr="C:/Users/PAUL/AppData/Roaming/PolarisOffice/ETemp/1160_48387312/fImage432314041.png"/>
+          <p:cNvPr id="14" name="그림 13" descr="C:/Users/PAUL/AppData/Roaming/PolarisOffice/ETemp/10588_17707184/fImage432314041.png"/>
           <p:cNvPicPr>
             <a:picLocks noChangeAspect="1"/>
           </p:cNvPicPr>
@@ -14521,14 +14744,15 @@
               </a:ext>
             </a:extLst>
           </a:blip>
+          <a:srcRect/>
           <a:stretch>
             <a:fillRect/>
           </a:stretch>
         </p:blipFill>
         <p:spPr>
           <a:xfrm rot="0">
-            <a:off x="443865" y="5209540"/>
-            <a:ext cx="3677285" cy="895985"/>
+            <a:off x="443230" y="4926965"/>
+            <a:ext cx="3677920" cy="896620"/>
           </a:xfrm>
           <a:prstGeom prst="rect"/>
           <a:noFill/>
@@ -14536,7 +14760,7 @@
       </p:pic>
       <p:pic>
         <p:nvPicPr>
-          <p:cNvPr id="17" name="그림 16" descr="C:/Users/PAUL/AppData/Roaming/PolarisOffice/ETemp/1160_48387312/fImage116362128467.png"/>
+          <p:cNvPr id="17" name="그림 16" descr="C:/Users/PAUL/AppData/Roaming/PolarisOffice/ETemp/10588_17707184/fImage116362128467.png"/>
           <p:cNvPicPr>
             <a:picLocks noChangeAspect="1"/>
           </p:cNvPicPr>
@@ -14550,6 +14774,7 @@
               </a:ext>
             </a:extLst>
           </a:blip>
+          <a:srcRect/>
           <a:stretch>
             <a:fillRect/>
           </a:stretch>
@@ -14557,10 +14782,21 @@
         <p:spPr>
           <a:xfrm rot="0">
             <a:off x="438785" y="635000"/>
-            <a:ext cx="2820035" cy="3858260"/>
+            <a:ext cx="2820670" cy="3858895"/>
           </a:xfrm>
           <a:prstGeom prst="rect"/>
           <a:noFill/>
+          <a:ln w="9525" cap="flat" cmpd="sng">
+            <a:solidFill>
+              <a:schemeClr val="accent1">
+                <a:lumMod val="60000"/>
+                <a:lumOff val="40000"/>
+                <a:alpha val="100000"/>
+              </a:schemeClr>
+            </a:solidFill>
+            <a:prstDash val="solid"/>
+            <a:round/>
+          </a:ln>
         </p:spPr>
       </p:pic>
     </p:spTree>

--- a/파이썬_세미나_ppt_완료.pptx
+++ b/파이썬_세미나_ppt_완료.pptx
@@ -2,7 +2,7 @@
 <file path=ppt/presentation.xml><?xml version="1.0" encoding="utf-8"?>
 <p:presentation xmlns:a="http://schemas.openxmlformats.org/drawingml/2006/main" xmlns:r="http://schemas.openxmlformats.org/officeDocument/2006/relationships" xmlns:p="http://schemas.openxmlformats.org/presentationml/2006/main" xmlns:p14="http://schemas.microsoft.com/office/powerpoint/2010/main" saveSubsetFonts="1">
   <p:sldMasterIdLst>
-    <p:sldMasterId id="2147483930" r:id="rId13"/>
+    <p:sldMasterId id="2147483934" r:id="rId13"/>
   </p:sldMasterIdLst>
   <p:sldIdLst>
     <p:sldId id="278" r:id="rId15"/>
@@ -72,22 +72,22 @@
     </p:ext>
     <p:ext uri="{EFAFB233-063F-42B5-8137-9DF3F51BA10A}">
       <p15:sldGuideLst xmlns:p15="http://schemas.microsoft.com/office/powerpoint/2012/main">
-        <p15:guide id="0" pos="3820" userDrawn="1">
+        <p15:guide id="0" pos="3819" userDrawn="1">
           <p15:clr>
             <a:srgbClr val="A4A3A4"/>
           </p15:clr>
         </p15:guide>
-        <p15:guide id="1" orient="horz" pos="2145" userDrawn="1">
+        <p15:guide id="1" orient="horz" pos="2144" userDrawn="1">
           <p15:clr>
             <a:srgbClr val="A4A3A4"/>
           </p15:clr>
         </p15:guide>
-        <p15:guide id="4" orient="horz" pos="2445" userDrawn="1">
+        <p15:guide id="4" orient="horz" pos="2444" userDrawn="1">
           <p15:clr>
             <a:srgbClr val="A4A3A4"/>
           </p15:clr>
         </p15:guide>
-        <p15:guide id="4" pos="3920" userDrawn="1">
+        <p15:guide id="4" pos="3919" userDrawn="1">
           <p15:clr>
             <a:srgbClr val="A4A3A4"/>
           </p15:clr>
@@ -5155,170 +5155,6 @@
       </p:grpSpPr>
       <p:sp>
         <p:nvSpPr>
-          <p:cNvPr id="3" name="도형 2"/>
-          <p:cNvSpPr>
-            <a:spLocks/>
-          </p:cNvSpPr>
-          <p:nvPr/>
-        </p:nvSpPr>
-        <p:spPr>
-          <a:xfrm rot="0">
-            <a:off x="8666480" y="305435"/>
-            <a:ext cx="1776095" cy="1688465"/>
-          </a:xfrm>
-          <a:prstGeom prst="ellipse"/>
-          <a:solidFill>
-            <a:schemeClr val="bg1"/>
-          </a:solidFill>
-          <a:ln w="0">
-            <a:noFill/>
-            <a:prstDash/>
-          </a:ln>
-        </p:spPr>
-        <p:style>
-          <a:lnRef idx="2">
-            <a:schemeClr val="accent1">
-              <a:shade val="50000"/>
-            </a:schemeClr>
-          </a:lnRef>
-          <a:fillRef idx="1">
-            <a:schemeClr val="accent1"/>
-          </a:fillRef>
-          <a:effectRef idx="0">
-            <a:schemeClr val="accent1"/>
-          </a:effectRef>
-          <a:fontRef idx="minor">
-            <a:schemeClr val="lt1"/>
-          </a:fontRef>
-        </p:style>
-        <p:txBody>
-          <a:bodyPr wrap="square" lIns="91440" tIns="45720" rIns="91440" bIns="45720" vert="horz" anchor="ctr">
-            <a:noAutofit/>
-          </a:bodyPr>
-          <a:lstStyle/>
-          <a:p>
-            <a:pPr marL="0" indent="0" algn="ctr" fontAlgn="auto" defTabSz="508000" eaLnBrk="0" latinLnBrk="0">
-              <a:lnSpc>
-                <a:spcPct val="100000"/>
-              </a:lnSpc>
-              <a:spcBef>
-                <a:spcPts val="0"/>
-              </a:spcBef>
-              <a:spcAft>
-                <a:spcPts val="0"/>
-              </a:spcAft>
-              <a:buFontTx/>
-              <a:buNone/>
-            </a:pPr>
-            <a:r>
-              <a:rPr lang="en-US" altLang="ko-KR" sz="3600" cap="none" dirty="0" smtClean="0" b="0" strike="noStrike">
-                <a:solidFill>
-                  <a:schemeClr val="accent1">
-                    <a:lumMod val="60000"/>
-                    <a:lumOff val="40000"/>
-                  </a:schemeClr>
-                </a:solidFill>
-                <a:latin typeface="맑은 고딕" charset="0"/>
-                <a:ea typeface="맑은 고딕" charset="0"/>
-              </a:rPr>
-              <a:t>1</a:t>
-            </a:r>
-            <a:endParaRPr lang="ko-KR" altLang="en-US" sz="3600" cap="none" dirty="0" smtClean="0" b="0" strike="noStrike">
-              <a:solidFill>
-                <a:schemeClr val="accent1">
-                  <a:lumMod val="60000"/>
-                  <a:lumOff val="40000"/>
-                </a:schemeClr>
-              </a:solidFill>
-              <a:latin typeface="맑은 고딕" charset="0"/>
-              <a:ea typeface="맑은 고딕" charset="0"/>
-            </a:endParaRPr>
-          </a:p>
-        </p:txBody>
-      </p:sp>
-      <p:sp>
-        <p:nvSpPr>
-          <p:cNvPr id="5" name="도형 4"/>
-          <p:cNvSpPr>
-            <a:spLocks/>
-          </p:cNvSpPr>
-          <p:nvPr/>
-        </p:nvSpPr>
-        <p:spPr>
-          <a:xfrm rot="0">
-            <a:off x="7806690" y="3820160"/>
-            <a:ext cx="3478530" cy="538480"/>
-          </a:xfrm>
-          <a:prstGeom prst="rect"/>
-          <a:solidFill>
-            <a:schemeClr val="bg1"/>
-          </a:solidFill>
-          <a:ln w="0">
-            <a:noFill/>
-            <a:prstDash/>
-          </a:ln>
-        </p:spPr>
-        <p:style>
-          <a:lnRef idx="2">
-            <a:schemeClr val="accent1">
-              <a:shade val="50000"/>
-            </a:schemeClr>
-          </a:lnRef>
-          <a:fillRef idx="1">
-            <a:schemeClr val="accent1"/>
-          </a:fillRef>
-          <a:effectRef idx="0">
-            <a:schemeClr val="accent1"/>
-          </a:effectRef>
-          <a:fontRef idx="minor">
-            <a:schemeClr val="lt1"/>
-          </a:fontRef>
-        </p:style>
-        <p:txBody>
-          <a:bodyPr wrap="square" lIns="91440" tIns="45720" rIns="91440" bIns="45720" vert="horz" anchor="ctr">
-            <a:noAutofit/>
-          </a:bodyPr>
-          <a:lstStyle/>
-          <a:p>
-            <a:pPr marL="0" indent="0" algn="ctr" fontAlgn="auto" defTabSz="508000" eaLnBrk="0" latinLnBrk="0">
-              <a:lnSpc>
-                <a:spcPct val="100000"/>
-              </a:lnSpc>
-              <a:spcBef>
-                <a:spcPts val="0"/>
-              </a:spcBef>
-              <a:spcAft>
-                <a:spcPts val="0"/>
-              </a:spcAft>
-              <a:buFontTx/>
-              <a:buNone/>
-            </a:pPr>
-            <a:r>
-              <a:rPr lang="en-US" altLang="ko-KR" sz="1800" cap="none" dirty="0" smtClean="0" b="0" strike="noStrike">
-                <a:solidFill>
-                  <a:srgbClr val="000000">
-                    <a:alpha val="46707"/>
-                  </a:srgbClr>
-                </a:solidFill>
-                <a:latin typeface="맑은 고딕" charset="0"/>
-                <a:ea typeface="맑은 고딕" charset="0"/>
-              </a:rPr>
-              <a:t>Python 소개</a:t>
-            </a:r>
-            <a:endParaRPr lang="ko-KR" altLang="en-US" sz="1800" cap="none" dirty="0" smtClean="0" b="0" strike="noStrike">
-              <a:solidFill>
-                <a:srgbClr val="000000">
-                  <a:alpha val="46707"/>
-                </a:srgbClr>
-              </a:solidFill>
-              <a:latin typeface="맑은 고딕" charset="0"/>
-              <a:ea typeface="맑은 고딕" charset="0"/>
-            </a:endParaRPr>
-          </a:p>
-        </p:txBody>
-      </p:sp>
-      <p:sp>
-        <p:nvSpPr>
           <p:cNvPr id="6" name="텍스트 상자 5"/>
           <p:cNvSpPr txBox="1">
             <a:spLocks/>
@@ -5363,9 +5199,74 @@
           </a:p>
         </p:txBody>
       </p:sp>
+      <p:sp>
+        <p:nvSpPr>
+          <p:cNvPr id="11" name="텍스트 상자 10"/>
+          <p:cNvSpPr txBox="1">
+            <a:spLocks/>
+          </p:cNvSpPr>
+          <p:nvPr/>
+        </p:nvSpPr>
+        <p:spPr>
+          <a:xfrm rot="0">
+            <a:off x="304165" y="3244850"/>
+            <a:ext cx="5726430" cy="847090"/>
+          </a:xfrm>
+          <a:prstGeom prst="rect"/>
+          <a:noFill/>
+          <a:ln w="0">
+            <a:noFill/>
+            <a:prstDash/>
+          </a:ln>
+        </p:spPr>
+        <p:txBody>
+          <a:bodyPr wrap="square" lIns="89535" tIns="46355" rIns="89535" bIns="46355" vert="horz" anchor="t">
+            <a:spAutoFit/>
+          </a:bodyPr>
+          <a:lstStyle/>
+          <a:p>
+            <a:pPr marL="0" indent="0" algn="ctr" fontAlgn="auto" defTabSz="508000" eaLnBrk="0" latinLnBrk="0">
+              <a:lnSpc>
+                <a:spcPct val="100000"/>
+              </a:lnSpc>
+              <a:spcBef>
+                <a:spcPts val="0"/>
+              </a:spcBef>
+              <a:spcAft>
+                <a:spcPts val="0"/>
+              </a:spcAft>
+              <a:buFontTx/>
+              <a:buNone/>
+            </a:pPr>
+            <a:r>
+              <a:rPr lang="en-US" altLang="ko-KR" sz="4900" cap="none" dirty="0" smtClean="0" b="0" strike="noStrike">
+                <a:solidFill>
+                  <a:schemeClr val="accent1">
+                    <a:lumMod val="60000"/>
+                    <a:lumOff val="40000"/>
+                  </a:schemeClr>
+                </a:solidFill>
+                <a:latin typeface="D2Coding" charset="0"/>
+                <a:ea typeface="D2Coding" charset="0"/>
+              </a:rPr>
+              <a:t>파이선 세미나</a:t>
+            </a:r>
+            <a:endParaRPr lang="ko-KR" altLang="en-US" sz="4900" cap="none" dirty="0" smtClean="0" b="0" strike="noStrike">
+              <a:solidFill>
+                <a:schemeClr val="accent1">
+                  <a:lumMod val="60000"/>
+                  <a:lumOff val="40000"/>
+                </a:schemeClr>
+              </a:solidFill>
+              <a:latin typeface="D2Coding" charset="0"/>
+              <a:ea typeface="D2Coding" charset="0"/>
+            </a:endParaRPr>
+          </a:p>
+        </p:txBody>
+      </p:sp>
       <p:grpSp>
         <p:nvGrpSpPr>
-          <p:cNvPr id="10" name="그룹 9"/>
+          <p:cNvPr id="12" name="그룹 11"/>
           <p:cNvGrpSpPr/>
           <p:nvPr/>
         </p:nvGrpSpPr>
@@ -5379,7 +5280,7 @@
         </p:grpSpPr>
         <p:sp>
           <p:nvSpPr>
-            <p:cNvPr id="2" name="도형 1"/>
+            <p:cNvPr id="13" name="도형 12"/>
             <p:cNvSpPr>
               <a:spLocks/>
             </p:cNvSpPr>
@@ -5447,7 +5348,7 @@
         </p:sp>
         <p:sp>
           <p:nvSpPr>
-            <p:cNvPr id="8" name="도형 7"/>
+            <p:cNvPr id="14" name="도형 13"/>
             <p:cNvSpPr>
               <a:spLocks/>
             </p:cNvSpPr>
@@ -5530,16 +5431,16 @@
         </p:sp>
         <p:sp>
           <p:nvSpPr>
-            <p:cNvPr id="9" name="도형 8"/>
+            <p:cNvPr id="15" name="도형 14"/>
             <p:cNvSpPr>
               <a:spLocks/>
             </p:cNvSpPr>
             <p:nvPr/>
           </p:nvSpPr>
           <p:spPr>
-            <a:xfrm>
+            <a:xfrm rot="0">
               <a:off x="7806690" y="3820160"/>
-              <a:ext cx="3479800" cy="539750"/>
+              <a:ext cx="3479165" cy="539115"/>
             </a:xfrm>
             <a:prstGeom prst="rect"/>
             <a:solidFill>
@@ -5567,7 +5468,7 @@
             </a:fontRef>
           </p:style>
           <p:txBody>
-            <a:bodyPr wrap="square" lIns="91440" tIns="45720" rIns="91440" bIns="45720" numCol="1" vert="horz" anchor="ctr">
+            <a:bodyPr wrap="square" lIns="91440" tIns="45720" rIns="91440" bIns="45720" vert="horz" anchor="ctr">
               <a:noAutofit/>
             </a:bodyPr>
             <a:lstStyle/>
@@ -5588,11 +5489,9 @@
               <a:r>
                 <a:rPr lang="en-US" altLang="ko-KR" sz="1800" cap="none" dirty="0" smtClean="0" b="0" strike="noStrike">
                   <a:solidFill>
-                    <a:schemeClr val="accent1">
-                      <a:lumMod val="75000"/>
-                      <a:lumOff val="0"/>
-                      <a:alpha val="44745"/>
-                    </a:schemeClr>
+                    <a:srgbClr val="000000">
+                      <a:alpha val="45922"/>
+                    </a:srgbClr>
                   </a:solidFill>
                   <a:latin typeface="맑은 고딕" charset="0"/>
                   <a:ea typeface="맑은 고딕" charset="0"/>
@@ -5601,11 +5500,9 @@
               </a:r>
               <a:endParaRPr lang="ko-KR" altLang="en-US" sz="1800" cap="none" dirty="0" smtClean="0" b="0" strike="noStrike">
                 <a:solidFill>
-                  <a:schemeClr val="accent1">
-                    <a:lumMod val="75000"/>
-                    <a:lumOff val="0"/>
-                    <a:alpha val="44745"/>
-                  </a:schemeClr>
+                  <a:srgbClr val="000000">
+                    <a:alpha val="45922"/>
+                  </a:srgbClr>
                 </a:solidFill>
                 <a:latin typeface="맑은 고딕" charset="0"/>
                 <a:ea typeface="맑은 고딕" charset="0"/>
@@ -5614,71 +5511,6 @@
           </p:txBody>
         </p:sp>
       </p:grpSp>
-      <p:sp>
-        <p:nvSpPr>
-          <p:cNvPr id="11" name="텍스트 상자 10"/>
-          <p:cNvSpPr txBox="1">
-            <a:spLocks/>
-          </p:cNvSpPr>
-          <p:nvPr/>
-        </p:nvSpPr>
-        <p:spPr>
-          <a:xfrm rot="0">
-            <a:off x="304165" y="3244850"/>
-            <a:ext cx="5726430" cy="847090"/>
-          </a:xfrm>
-          <a:prstGeom prst="rect"/>
-          <a:noFill/>
-          <a:ln w="0">
-            <a:noFill/>
-            <a:prstDash/>
-          </a:ln>
-        </p:spPr>
-        <p:txBody>
-          <a:bodyPr wrap="square" lIns="89535" tIns="46355" rIns="89535" bIns="46355" vert="horz" anchor="t">
-            <a:spAutoFit/>
-          </a:bodyPr>
-          <a:lstStyle/>
-          <a:p>
-            <a:pPr marL="0" indent="0" algn="ctr" fontAlgn="auto" defTabSz="508000" eaLnBrk="0" latinLnBrk="0">
-              <a:lnSpc>
-                <a:spcPct val="100000"/>
-              </a:lnSpc>
-              <a:spcBef>
-                <a:spcPts val="0"/>
-              </a:spcBef>
-              <a:spcAft>
-                <a:spcPts val="0"/>
-              </a:spcAft>
-              <a:buFontTx/>
-              <a:buNone/>
-            </a:pPr>
-            <a:r>
-              <a:rPr lang="en-US" altLang="ko-KR" sz="4900" cap="none" dirty="0" smtClean="0" b="0" strike="noStrike">
-                <a:solidFill>
-                  <a:schemeClr val="accent1">
-                    <a:lumMod val="60000"/>
-                    <a:lumOff val="40000"/>
-                  </a:schemeClr>
-                </a:solidFill>
-                <a:latin typeface="D2Coding" charset="0"/>
-                <a:ea typeface="D2Coding" charset="0"/>
-              </a:rPr>
-              <a:t>파이선 세미나</a:t>
-            </a:r>
-            <a:endParaRPr lang="ko-KR" altLang="en-US" sz="4900" cap="none" dirty="0" smtClean="0" b="0" strike="noStrike">
-              <a:solidFill>
-                <a:schemeClr val="accent1">
-                  <a:lumMod val="60000"/>
-                  <a:lumOff val="40000"/>
-                </a:schemeClr>
-              </a:solidFill>
-              <a:latin typeface="D2Coding" charset="0"/>
-              <a:ea typeface="D2Coding" charset="0"/>
-            </a:endParaRPr>
-          </a:p>
-        </p:txBody>
-      </p:sp>
     </p:spTree>
   </p:cSld>
   <p:clrMapOvr>
@@ -5829,9 +5661,80 @@
           </a:p>
         </p:txBody>
       </p:sp>
+      <p:pic>
+        <p:nvPicPr>
+          <p:cNvPr id="15" name="그림 14"/>
+          <p:cNvPicPr>
+            <a:picLocks noChangeAspect="1"/>
+          </p:cNvPicPr>
+          <p:nvPr/>
+        </p:nvPicPr>
+        <p:blipFill rotWithShape="1">
+          <a:blip r:embed="rId2">
+            <a:extLst>
+              <a:ext uri="{28A0092B-C50C-407E-A947-70E740481C1C}">
+                <a14:useLocalDpi xmlns:a14="http://schemas.microsoft.com/office/drawing/2010/main" val="0"/>
+              </a:ext>
+            </a:extLst>
+          </a:blip>
+          <a:srcRect/>
+          <a:stretch>
+            <a:fillRect/>
+          </a:stretch>
+        </p:blipFill>
+        <p:spPr>
+          <a:xfrm rot="0">
+            <a:off x="442595" y="5052060"/>
+            <a:ext cx="5901055" cy="791845"/>
+          </a:xfrm>
+          <a:prstGeom prst="rect"/>
+          <a:noFill/>
+        </p:spPr>
+      </p:pic>
+      <p:pic>
+        <p:nvPicPr>
+          <p:cNvPr id="16" name="그림 15"/>
+          <p:cNvPicPr>
+            <a:picLocks noChangeAspect="1"/>
+          </p:cNvPicPr>
+          <p:nvPr/>
+        </p:nvPicPr>
+        <p:blipFill rotWithShape="1">
+          <a:blip r:embed="rId3">
+            <a:extLst>
+              <a:ext uri="{28A0092B-C50C-407E-A947-70E740481C1C}">
+                <a14:useLocalDpi xmlns:a14="http://schemas.microsoft.com/office/drawing/2010/main" val="0"/>
+              </a:ext>
+            </a:extLst>
+          </a:blip>
+          <a:srcRect/>
+          <a:stretch>
+            <a:fillRect/>
+          </a:stretch>
+        </p:blipFill>
+        <p:spPr>
+          <a:xfrm rot="0">
+            <a:off x="440690" y="638175"/>
+            <a:ext cx="2649220" cy="3887470"/>
+          </a:xfrm>
+          <a:prstGeom prst="rect"/>
+          <a:noFill/>
+          <a:ln w="9525" cap="flat" cmpd="sng">
+            <a:solidFill>
+              <a:schemeClr val="accent1">
+                <a:lumMod val="60000"/>
+                <a:lumOff val="40000"/>
+                <a:alpha val="100000"/>
+              </a:schemeClr>
+            </a:solidFill>
+            <a:prstDash val="solid"/>
+            <a:round/>
+          </a:ln>
+        </p:spPr>
+      </p:pic>
       <p:grpSp>
         <p:nvGrpSpPr>
-          <p:cNvPr id="10" name="그룹 9"/>
+          <p:cNvPr id="17" name="그룹 16"/>
           <p:cNvGrpSpPr/>
           <p:nvPr/>
         </p:nvGrpSpPr>
@@ -5845,7 +5748,7 @@
         </p:grpSpPr>
         <p:sp>
           <p:nvSpPr>
-            <p:cNvPr id="11" name="도형 10"/>
+            <p:cNvPr id="18" name="도형 17"/>
             <p:cNvSpPr>
               <a:spLocks/>
             </p:cNvSpPr>
@@ -5913,7 +5816,7 @@
         </p:sp>
         <p:sp>
           <p:nvSpPr>
-            <p:cNvPr id="12" name="도형 11"/>
+            <p:cNvPr id="19" name="도형 18"/>
             <p:cNvSpPr>
               <a:spLocks/>
             </p:cNvSpPr>
@@ -5996,16 +5899,16 @@
         </p:sp>
         <p:sp>
           <p:nvSpPr>
-            <p:cNvPr id="13" name="도형 12"/>
+            <p:cNvPr id="20" name="도형 19"/>
             <p:cNvSpPr>
               <a:spLocks/>
             </p:cNvSpPr>
             <p:nvPr/>
           </p:nvSpPr>
           <p:spPr>
-            <a:xfrm>
+            <a:xfrm rot="0">
               <a:off x="7806690" y="3820160"/>
-              <a:ext cx="3479800" cy="539750"/>
+              <a:ext cx="3479165" cy="539115"/>
             </a:xfrm>
             <a:prstGeom prst="rect"/>
             <a:solidFill>
@@ -6033,7 +5936,7 @@
             </a:fontRef>
           </p:style>
           <p:txBody>
-            <a:bodyPr wrap="square" lIns="91440" tIns="45720" rIns="91440" bIns="45720" numCol="1" vert="horz" anchor="ctr">
+            <a:bodyPr wrap="square" lIns="91440" tIns="45720" rIns="91440" bIns="45720" vert="horz" anchor="ctr">
               <a:noAutofit/>
             </a:bodyPr>
             <a:lstStyle/>
@@ -6054,11 +5957,9 @@
               <a:r>
                 <a:rPr lang="en-US" altLang="ko-KR" sz="1800" cap="none" dirty="0" smtClean="0" b="0" strike="noStrike">
                   <a:solidFill>
-                    <a:schemeClr val="accent1">
-                      <a:lumMod val="75000"/>
-                      <a:lumOff val="0"/>
-                      <a:alpha val="44745"/>
-                    </a:schemeClr>
+                    <a:srgbClr val="000000">
+                      <a:alpha val="45922"/>
+                    </a:srgbClr>
                   </a:solidFill>
                   <a:latin typeface="맑은 고딕" charset="0"/>
                   <a:ea typeface="맑은 고딕" charset="0"/>
@@ -6067,11 +5968,9 @@
               </a:r>
               <a:endParaRPr lang="ko-KR" altLang="en-US" sz="1800" cap="none" dirty="0" smtClean="0" b="0" strike="noStrike">
                 <a:solidFill>
-                  <a:schemeClr val="accent1">
-                    <a:lumMod val="75000"/>
-                    <a:lumOff val="0"/>
-                    <a:alpha val="44745"/>
-                  </a:schemeClr>
+                  <a:srgbClr val="000000">
+                    <a:alpha val="45922"/>
+                  </a:srgbClr>
                 </a:solidFill>
                 <a:latin typeface="맑은 고딕" charset="0"/>
                 <a:ea typeface="맑은 고딕" charset="0"/>
@@ -6080,77 +5979,6 @@
           </p:txBody>
         </p:sp>
       </p:grpSp>
-      <p:pic>
-        <p:nvPicPr>
-          <p:cNvPr id="15" name="그림 14" descr="C:/Users/PAUL/AppData/Roaming/PolarisOffice/ETemp/10588_17707184/fImage63712196334.png"/>
-          <p:cNvPicPr>
-            <a:picLocks noChangeAspect="1"/>
-          </p:cNvPicPr>
-          <p:nvPr/>
-        </p:nvPicPr>
-        <p:blipFill rotWithShape="1">
-          <a:blip r:embed="rId2">
-            <a:extLst>
-              <a:ext uri="{28A0092B-C50C-407E-A947-70E740481C1C}">
-                <a14:useLocalDpi xmlns:a14="http://schemas.microsoft.com/office/drawing/2010/main" val="0"/>
-              </a:ext>
-            </a:extLst>
-          </a:blip>
-          <a:srcRect/>
-          <a:stretch>
-            <a:fillRect/>
-          </a:stretch>
-        </p:blipFill>
-        <p:spPr>
-          <a:xfrm rot="0">
-            <a:off x="442595" y="5052060"/>
-            <a:ext cx="5901055" cy="791845"/>
-          </a:xfrm>
-          <a:prstGeom prst="rect"/>
-          <a:noFill/>
-        </p:spPr>
-      </p:pic>
-      <p:pic>
-        <p:nvPicPr>
-          <p:cNvPr id="16" name="그림 15" descr="C:/Users/PAUL/AppData/Roaming/PolarisOffice/ETemp/10588_17707184/fImage119752226500.png"/>
-          <p:cNvPicPr>
-            <a:picLocks noChangeAspect="1"/>
-          </p:cNvPicPr>
-          <p:nvPr/>
-        </p:nvPicPr>
-        <p:blipFill rotWithShape="1">
-          <a:blip r:embed="rId3">
-            <a:extLst>
-              <a:ext uri="{28A0092B-C50C-407E-A947-70E740481C1C}">
-                <a14:useLocalDpi xmlns:a14="http://schemas.microsoft.com/office/drawing/2010/main" val="0"/>
-              </a:ext>
-            </a:extLst>
-          </a:blip>
-          <a:srcRect/>
-          <a:stretch>
-            <a:fillRect/>
-          </a:stretch>
-        </p:blipFill>
-        <p:spPr>
-          <a:xfrm rot="0">
-            <a:off x="440690" y="638175"/>
-            <a:ext cx="2649220" cy="3887470"/>
-          </a:xfrm>
-          <a:prstGeom prst="rect"/>
-          <a:noFill/>
-          <a:ln w="9525" cap="flat" cmpd="sng">
-            <a:solidFill>
-              <a:schemeClr val="accent1">
-                <a:lumMod val="60000"/>
-                <a:lumOff val="40000"/>
-                <a:alpha val="100000"/>
-              </a:schemeClr>
-            </a:solidFill>
-            <a:prstDash val="solid"/>
-            <a:round/>
-          </a:ln>
-        </p:spPr>
-      </p:pic>
     </p:spTree>
   </p:cSld>
   <p:clrMapOvr>
@@ -7260,257 +7088,6 @@
           </a:p>
         </p:txBody>
       </p:sp>
-      <p:grpSp>
-        <p:nvGrpSpPr>
-          <p:cNvPr id="10" name="그룹 9"/>
-          <p:cNvGrpSpPr/>
-          <p:nvPr/>
-        </p:nvGrpSpPr>
-        <p:grpSpPr>
-          <a:xfrm rot="0">
-            <a:off x="6901815" y="-43815"/>
-            <a:ext cx="5294630" cy="6964680"/>
-            <a:chOff x="6901815" y="-43815"/>
-            <a:chExt cx="5294630" cy="6964680"/>
-          </a:xfrm>
-        </p:grpSpPr>
-        <p:sp>
-          <p:nvSpPr>
-            <p:cNvPr id="11" name="도형 10"/>
-            <p:cNvSpPr>
-              <a:spLocks/>
-            </p:cNvSpPr>
-            <p:nvPr/>
-          </p:nvSpPr>
-          <p:spPr>
-            <a:xfrm rot="0">
-              <a:off x="6901815" y="-43815"/>
-              <a:ext cx="5294630" cy="6964680"/>
-            </a:xfrm>
-            <a:prstGeom prst="rect"/>
-            <a:solidFill>
-              <a:schemeClr val="accent1">
-                <a:lumMod val="75000"/>
-                <a:lumOff val="0"/>
-                <a:alpha val="46707"/>
-              </a:schemeClr>
-            </a:solidFill>
-            <a:ln w="0">
-              <a:noFill/>
-              <a:prstDash/>
-            </a:ln>
-          </p:spPr>
-          <p:style>
-            <a:lnRef idx="2">
-              <a:schemeClr val="accent1">
-                <a:shade val="50000"/>
-              </a:schemeClr>
-            </a:lnRef>
-            <a:fillRef idx="1">
-              <a:schemeClr val="accent1"/>
-            </a:fillRef>
-            <a:effectRef idx="0">
-              <a:schemeClr val="accent1"/>
-            </a:effectRef>
-            <a:fontRef idx="minor">
-              <a:schemeClr val="lt1"/>
-            </a:fontRef>
-          </p:style>
-          <p:txBody>
-            <a:bodyPr wrap="square" lIns="91440" tIns="45720" rIns="91440" bIns="45720" vert="horz" anchor="ctr">
-              <a:noAutofit/>
-            </a:bodyPr>
-            <a:lstStyle/>
-            <a:p>
-              <a:pPr marL="0" indent="0" algn="ctr" fontAlgn="auto" defTabSz="508000" eaLnBrk="0" latinLnBrk="0">
-                <a:lnSpc>
-                  <a:spcPct val="100000"/>
-                </a:lnSpc>
-                <a:spcBef>
-                  <a:spcPts val="0"/>
-                </a:spcBef>
-                <a:spcAft>
-                  <a:spcPts val="0"/>
-                </a:spcAft>
-                <a:buFontTx/>
-                <a:buNone/>
-              </a:pPr>
-              <a:endParaRPr lang="ko-KR" altLang="en-US" sz="1800" cap="none" dirty="0" smtClean="0" b="0" strike="noStrike">
-                <a:latin typeface="맑은 고딕" charset="0"/>
-                <a:ea typeface="맑은 고딕" charset="0"/>
-              </a:endParaRPr>
-            </a:p>
-          </p:txBody>
-        </p:sp>
-        <p:sp>
-          <p:nvSpPr>
-            <p:cNvPr id="12" name="도형 11"/>
-            <p:cNvSpPr>
-              <a:spLocks/>
-            </p:cNvSpPr>
-            <p:nvPr/>
-          </p:nvSpPr>
-          <p:spPr>
-            <a:xfrm rot="0">
-              <a:off x="8666480" y="305435"/>
-              <a:ext cx="1776095" cy="1688465"/>
-            </a:xfrm>
-            <a:prstGeom prst="ellipse"/>
-            <a:solidFill>
-              <a:schemeClr val="bg1"/>
-            </a:solidFill>
-            <a:ln w="0">
-              <a:noFill/>
-              <a:prstDash/>
-            </a:ln>
-          </p:spPr>
-          <p:style>
-            <a:lnRef idx="2">
-              <a:schemeClr val="accent1">
-                <a:shade val="50000"/>
-              </a:schemeClr>
-            </a:lnRef>
-            <a:fillRef idx="1">
-              <a:schemeClr val="accent1"/>
-            </a:fillRef>
-            <a:effectRef idx="0">
-              <a:schemeClr val="accent1"/>
-            </a:effectRef>
-            <a:fontRef idx="minor">
-              <a:schemeClr val="lt1"/>
-            </a:fontRef>
-          </p:style>
-          <p:txBody>
-            <a:bodyPr wrap="square" lIns="91440" tIns="45720" rIns="91440" bIns="45720" vert="horz" anchor="ctr">
-              <a:noAutofit/>
-            </a:bodyPr>
-            <a:lstStyle/>
-            <a:p>
-              <a:pPr marL="0" indent="0" algn="ctr" fontAlgn="auto" defTabSz="508000" eaLnBrk="0" latinLnBrk="0">
-                <a:lnSpc>
-                  <a:spcPct val="100000"/>
-                </a:lnSpc>
-                <a:spcBef>
-                  <a:spcPts val="0"/>
-                </a:spcBef>
-                <a:spcAft>
-                  <a:spcPts val="0"/>
-                </a:spcAft>
-                <a:buFontTx/>
-                <a:buNone/>
-              </a:pPr>
-              <a:r>
-                <a:rPr lang="en-US" altLang="ko-KR" sz="3600" cap="none" dirty="0" smtClean="0" b="0" strike="noStrike">
-                  <a:solidFill>
-                    <a:schemeClr val="accent1">
-                      <a:lumMod val="60000"/>
-                      <a:lumOff val="40000"/>
-                    </a:schemeClr>
-                  </a:solidFill>
-                  <a:latin typeface="맑은 고딕" charset="0"/>
-                  <a:ea typeface="맑은 고딕" charset="0"/>
-                </a:rPr>
-                <a:t>7</a:t>
-              </a:r>
-              <a:endParaRPr lang="ko-KR" altLang="en-US" sz="3600" cap="none" dirty="0" smtClean="0" b="0" strike="noStrike">
-                <a:solidFill>
-                  <a:schemeClr val="accent1">
-                    <a:lumMod val="60000"/>
-                    <a:lumOff val="40000"/>
-                  </a:schemeClr>
-                </a:solidFill>
-                <a:latin typeface="맑은 고딕" charset="0"/>
-                <a:ea typeface="맑은 고딕" charset="0"/>
-              </a:endParaRPr>
-            </a:p>
-          </p:txBody>
-        </p:sp>
-        <p:sp>
-          <p:nvSpPr>
-            <p:cNvPr id="13" name="도형 12"/>
-            <p:cNvSpPr>
-              <a:spLocks/>
-            </p:cNvSpPr>
-            <p:nvPr/>
-          </p:nvSpPr>
-          <p:spPr>
-            <a:xfrm>
-              <a:off x="7806690" y="3820160"/>
-              <a:ext cx="3479800" cy="539750"/>
-            </a:xfrm>
-            <a:prstGeom prst="rect"/>
-            <a:solidFill>
-              <a:schemeClr val="bg1"/>
-            </a:solidFill>
-            <a:ln w="0">
-              <a:noFill/>
-              <a:prstDash/>
-            </a:ln>
-          </p:spPr>
-          <p:style>
-            <a:lnRef idx="2">
-              <a:schemeClr val="accent1">
-                <a:shade val="50000"/>
-              </a:schemeClr>
-            </a:lnRef>
-            <a:fillRef idx="1">
-              <a:schemeClr val="accent1"/>
-            </a:fillRef>
-            <a:effectRef idx="0">
-              <a:schemeClr val="accent1"/>
-            </a:effectRef>
-            <a:fontRef idx="minor">
-              <a:schemeClr val="lt1"/>
-            </a:fontRef>
-          </p:style>
-          <p:txBody>
-            <a:bodyPr wrap="square" lIns="91440" tIns="45720" rIns="91440" bIns="45720" numCol="1" vert="horz" anchor="ctr">
-              <a:noAutofit/>
-            </a:bodyPr>
-            <a:lstStyle/>
-            <a:p>
-              <a:pPr marL="0" indent="0" algn="ctr" fontAlgn="auto" defTabSz="508000" eaLnBrk="0" latinLnBrk="0">
-                <a:lnSpc>
-                  <a:spcPct val="100000"/>
-                </a:lnSpc>
-                <a:spcBef>
-                  <a:spcPts val="0"/>
-                </a:spcBef>
-                <a:spcAft>
-                  <a:spcPts val="0"/>
-                </a:spcAft>
-                <a:buFontTx/>
-                <a:buNone/>
-              </a:pPr>
-              <a:r>
-                <a:rPr lang="en-US" altLang="ko-KR" sz="1800" cap="none" dirty="0" smtClean="0" b="0" strike="noStrike">
-                  <a:solidFill>
-                    <a:schemeClr val="accent1">
-                      <a:lumMod val="75000"/>
-                      <a:lumOff val="0"/>
-                      <a:alpha val="44745"/>
-                    </a:schemeClr>
-                  </a:solidFill>
-                  <a:latin typeface="맑은 고딕" charset="0"/>
-                  <a:ea typeface="맑은 고딕" charset="0"/>
-                </a:rPr>
-                <a:t>Python 반복문</a:t>
-              </a:r>
-              <a:endParaRPr lang="ko-KR" altLang="en-US" sz="1800" cap="none" dirty="0" smtClean="0" b="0" strike="noStrike">
-                <a:solidFill>
-                  <a:schemeClr val="accent1">
-                    <a:lumMod val="75000"/>
-                    <a:lumOff val="0"/>
-                    <a:alpha val="44745"/>
-                  </a:schemeClr>
-                </a:solidFill>
-                <a:latin typeface="맑은 고딕" charset="0"/>
-                <a:ea typeface="맑은 고딕" charset="0"/>
-              </a:endParaRPr>
-            </a:p>
-          </p:txBody>
-        </p:sp>
-      </p:grpSp>
       <p:pic>
         <p:nvPicPr>
           <p:cNvPr id="16" name="그림 15"/>
@@ -7600,7 +7177,7 @@
       </p:pic>
       <p:pic>
         <p:nvPicPr>
-          <p:cNvPr id="19" name="그림 18" descr="C:/Users/PAUL/AppData/Roaming/PolarisOffice/ETemp/10588_17707184/fImage65232585705.png"/>
+          <p:cNvPr id="19" name="그림 18"/>
           <p:cNvPicPr>
             <a:picLocks noChangeAspect="1"/>
           </p:cNvPicPr>
@@ -7641,7 +7218,7 @@
       </p:pic>
       <p:pic>
         <p:nvPicPr>
-          <p:cNvPr id="20" name="그림 19" descr="C:/Users/PAUL/AppData/Roaming/PolarisOffice/ETemp/10588_17707184/fImage69132598145.png"/>
+          <p:cNvPr id="20" name="그림 19"/>
           <p:cNvPicPr>
             <a:picLocks noChangeAspect="1"/>
           </p:cNvPicPr>
@@ -7680,259 +7257,9 @@
           </a:ln>
         </p:spPr>
       </p:pic>
-    </p:spTree>
-  </p:cSld>
-  <p:clrMapOvr>
-    <a:masterClrMapping/>
-  </p:clrMapOvr>
-  <mc:AlternateContent xmlns:mc="http://schemas.openxmlformats.org/markup-compatibility/2006">
-    <mc:Choice xmlns:p14="http://schemas.microsoft.com/office/powerpoint/2010/main" Requires="p14">
-      <p:transition spd="slow" p14:dur="1000"/>
-    </mc:Choice>
-    <mc:Fallback>
-      <p:transition spd="slow"/>
-    </mc:Fallback>
-  </mc:AlternateContent>
-  <p:timing>
-    <p:tnLst>
-      <p:par>
-        <p:cTn id="1" dur="indefinite" restart="never" nodeType="tmRoot"/>
-      </p:par>
-    </p:tnLst>
-  </p:timing>
-</p:sld>
-</file>
-
-<file path=ppt/slides/slide13.xml><?xml version="1.0" encoding="utf-8"?>
-<p:sld xmlns:a="http://schemas.openxmlformats.org/drawingml/2006/main" xmlns:r="http://schemas.openxmlformats.org/officeDocument/2006/relationships" xmlns:p="http://schemas.openxmlformats.org/presentationml/2006/main" xmlns:p14="http://schemas.microsoft.com/office/powerpoint/2010/main">
-  <p:cSld>
-    <p:spTree>
-      <p:nvGrpSpPr>
-        <p:cNvPr id="1" name=""/>
-        <p:cNvGrpSpPr/>
-        <p:nvPr/>
-      </p:nvGrpSpPr>
-      <p:grpSpPr>
-        <a:xfrm>
-          <a:off x="0" y="0"/>
-          <a:ext cx="0" cy="0"/>
-          <a:chOff x="0" y="0"/>
-          <a:chExt cx="0" cy="0"/>
-        </a:xfrm>
-      </p:grpSpPr>
-      <p:sp>
-        <p:nvSpPr>
-          <p:cNvPr id="3" name="도형 2"/>
-          <p:cNvSpPr>
-            <a:spLocks/>
-          </p:cNvSpPr>
-          <p:nvPr/>
-        </p:nvSpPr>
-        <p:spPr>
-          <a:xfrm rot="0">
-            <a:off x="8666480" y="305435"/>
-            <a:ext cx="1776095" cy="1688465"/>
-          </a:xfrm>
-          <a:prstGeom prst="ellipse"/>
-          <a:solidFill>
-            <a:schemeClr val="bg1"/>
-          </a:solidFill>
-          <a:ln w="0">
-            <a:noFill/>
-            <a:prstDash/>
-          </a:ln>
-        </p:spPr>
-        <p:style>
-          <a:lnRef idx="2">
-            <a:schemeClr val="accent1">
-              <a:shade val="50000"/>
-            </a:schemeClr>
-          </a:lnRef>
-          <a:fillRef idx="1">
-            <a:schemeClr val="accent1"/>
-          </a:fillRef>
-          <a:effectRef idx="0">
-            <a:schemeClr val="accent1"/>
-          </a:effectRef>
-          <a:fontRef idx="minor">
-            <a:schemeClr val="lt1"/>
-          </a:fontRef>
-        </p:style>
-        <p:txBody>
-          <a:bodyPr wrap="square" lIns="91440" tIns="45720" rIns="91440" bIns="45720" vert="horz" anchor="ctr">
-            <a:noAutofit/>
-          </a:bodyPr>
-          <a:lstStyle/>
-          <a:p>
-            <a:pPr marL="0" indent="0" algn="ctr" fontAlgn="auto" defTabSz="508000" eaLnBrk="0" latinLnBrk="0">
-              <a:lnSpc>
-                <a:spcPct val="100000"/>
-              </a:lnSpc>
-              <a:spcBef>
-                <a:spcPts val="0"/>
-              </a:spcBef>
-              <a:spcAft>
-                <a:spcPts val="0"/>
-              </a:spcAft>
-              <a:buFontTx/>
-              <a:buNone/>
-            </a:pPr>
-            <a:r>
-              <a:rPr lang="en-US" altLang="ko-KR" sz="3600" cap="none" dirty="0" smtClean="0" b="0" strike="noStrike">
-                <a:solidFill>
-                  <a:schemeClr val="accent1">
-                    <a:lumMod val="60000"/>
-                    <a:lumOff val="40000"/>
-                  </a:schemeClr>
-                </a:solidFill>
-                <a:latin typeface="맑은 고딕" charset="0"/>
-                <a:ea typeface="맑은 고딕" charset="0"/>
-              </a:rPr>
-              <a:t>1</a:t>
-            </a:r>
-            <a:endParaRPr lang="ko-KR" altLang="en-US" sz="3600" cap="none" dirty="0" smtClean="0" b="0" strike="noStrike">
-              <a:solidFill>
-                <a:schemeClr val="accent1">
-                  <a:lumMod val="60000"/>
-                  <a:lumOff val="40000"/>
-                </a:schemeClr>
-              </a:solidFill>
-              <a:latin typeface="맑은 고딕" charset="0"/>
-              <a:ea typeface="맑은 고딕" charset="0"/>
-            </a:endParaRPr>
-          </a:p>
-        </p:txBody>
-      </p:sp>
-      <p:sp>
-        <p:nvSpPr>
-          <p:cNvPr id="5" name="도형 4"/>
-          <p:cNvSpPr>
-            <a:spLocks/>
-          </p:cNvSpPr>
-          <p:nvPr/>
-        </p:nvSpPr>
-        <p:spPr>
-          <a:xfrm rot="0">
-            <a:off x="7806690" y="3820160"/>
-            <a:ext cx="3478530" cy="538480"/>
-          </a:xfrm>
-          <a:prstGeom prst="rect"/>
-          <a:solidFill>
-            <a:schemeClr val="bg1"/>
-          </a:solidFill>
-          <a:ln w="0">
-            <a:noFill/>
-            <a:prstDash/>
-          </a:ln>
-        </p:spPr>
-        <p:style>
-          <a:lnRef idx="2">
-            <a:schemeClr val="accent1">
-              <a:shade val="50000"/>
-            </a:schemeClr>
-          </a:lnRef>
-          <a:fillRef idx="1">
-            <a:schemeClr val="accent1"/>
-          </a:fillRef>
-          <a:effectRef idx="0">
-            <a:schemeClr val="accent1"/>
-          </a:effectRef>
-          <a:fontRef idx="minor">
-            <a:schemeClr val="lt1"/>
-          </a:fontRef>
-        </p:style>
-        <p:txBody>
-          <a:bodyPr wrap="square" lIns="91440" tIns="45720" rIns="91440" bIns="45720" vert="horz" anchor="ctr">
-            <a:noAutofit/>
-          </a:bodyPr>
-          <a:lstStyle/>
-          <a:p>
-            <a:pPr marL="0" indent="0" algn="ctr" fontAlgn="auto" defTabSz="508000" eaLnBrk="0" latinLnBrk="0">
-              <a:lnSpc>
-                <a:spcPct val="100000"/>
-              </a:lnSpc>
-              <a:spcBef>
-                <a:spcPts val="0"/>
-              </a:spcBef>
-              <a:spcAft>
-                <a:spcPts val="0"/>
-              </a:spcAft>
-              <a:buFontTx/>
-              <a:buNone/>
-            </a:pPr>
-            <a:r>
-              <a:rPr lang="en-US" altLang="ko-KR" sz="1800" cap="none" dirty="0" smtClean="0" b="0" strike="noStrike">
-                <a:solidFill>
-                  <a:srgbClr val="000000">
-                    <a:alpha val="46707"/>
-                  </a:srgbClr>
-                </a:solidFill>
-                <a:latin typeface="맑은 고딕" charset="0"/>
-                <a:ea typeface="맑은 고딕" charset="0"/>
-              </a:rPr>
-              <a:t>Python 소개</a:t>
-            </a:r>
-            <a:endParaRPr lang="ko-KR" altLang="en-US" sz="1800" cap="none" dirty="0" smtClean="0" b="0" strike="noStrike">
-              <a:solidFill>
-                <a:srgbClr val="000000">
-                  <a:alpha val="46707"/>
-                </a:srgbClr>
-              </a:solidFill>
-              <a:latin typeface="맑은 고딕" charset="0"/>
-              <a:ea typeface="맑은 고딕" charset="0"/>
-            </a:endParaRPr>
-          </a:p>
-        </p:txBody>
-      </p:sp>
-      <p:sp>
-        <p:nvSpPr>
-          <p:cNvPr id="6" name="텍스트 상자 5"/>
-          <p:cNvSpPr txBox="1">
-            <a:spLocks/>
-          </p:cNvSpPr>
-          <p:nvPr/>
-        </p:nvSpPr>
-        <p:spPr>
-          <a:xfrm rot="0">
-            <a:off x="432435" y="267970"/>
-            <a:ext cx="5008880" cy="370840"/>
-          </a:xfrm>
-          <a:prstGeom prst="rect"/>
-          <a:noFill/>
-          <a:ln w="0">
-            <a:noFill/>
-            <a:prstDash/>
-          </a:ln>
-        </p:spPr>
-        <p:txBody>
-          <a:bodyPr wrap="square" lIns="89535" tIns="46355" rIns="89535" bIns="46355" vert="horz" anchor="t">
-            <a:spAutoFit/>
-          </a:bodyPr>
-          <a:lstStyle/>
-          <a:p>
-            <a:pPr marL="0" indent="0" algn="l" fontAlgn="auto" defTabSz="508000" eaLnBrk="0" latinLnBrk="0">
-              <a:lnSpc>
-                <a:spcPct val="100000"/>
-              </a:lnSpc>
-              <a:spcBef>
-                <a:spcPts val="0"/>
-              </a:spcBef>
-              <a:spcAft>
-                <a:spcPts val="0"/>
-              </a:spcAft>
-              <a:buFontTx/>
-              <a:buNone/>
-            </a:pPr>
-            <a:endParaRPr lang="ko-KR" altLang="en-US" sz="1800" cap="none" dirty="0" smtClean="0" b="0" strike="noStrike">
-              <a:latin typeface="맑은 고딕" charset="0"/>
-              <a:ea typeface="맑은 고딕" charset="0"/>
-            </a:endParaRPr>
-          </a:p>
-        </p:txBody>
-      </p:sp>
       <p:grpSp>
         <p:nvGrpSpPr>
-          <p:cNvPr id="10" name="그룹 9"/>
+          <p:cNvPr id="21" name="그룹 20"/>
           <p:cNvGrpSpPr/>
           <p:nvPr/>
         </p:nvGrpSpPr>
@@ -7946,7 +7273,7 @@
         </p:grpSpPr>
         <p:sp>
           <p:nvSpPr>
-            <p:cNvPr id="2" name="도형 1"/>
+            <p:cNvPr id="22" name="도형 21"/>
             <p:cNvSpPr>
               <a:spLocks/>
             </p:cNvSpPr>
@@ -8014,7 +7341,502 @@
         </p:sp>
         <p:sp>
           <p:nvSpPr>
-            <p:cNvPr id="8" name="도형 7"/>
+            <p:cNvPr id="23" name="도형 22"/>
+            <p:cNvSpPr>
+              <a:spLocks/>
+            </p:cNvSpPr>
+            <p:nvPr/>
+          </p:nvSpPr>
+          <p:spPr>
+            <a:xfrm rot="0">
+              <a:off x="8666480" y="305435"/>
+              <a:ext cx="1776095" cy="1688465"/>
+            </a:xfrm>
+            <a:prstGeom prst="ellipse"/>
+            <a:solidFill>
+              <a:schemeClr val="bg1"/>
+            </a:solidFill>
+            <a:ln w="0">
+              <a:noFill/>
+              <a:prstDash/>
+            </a:ln>
+          </p:spPr>
+          <p:style>
+            <a:lnRef idx="2">
+              <a:schemeClr val="accent1">
+                <a:shade val="50000"/>
+              </a:schemeClr>
+            </a:lnRef>
+            <a:fillRef idx="1">
+              <a:schemeClr val="accent1"/>
+            </a:fillRef>
+            <a:effectRef idx="0">
+              <a:schemeClr val="accent1"/>
+            </a:effectRef>
+            <a:fontRef idx="minor">
+              <a:schemeClr val="lt1"/>
+            </a:fontRef>
+          </p:style>
+          <p:txBody>
+            <a:bodyPr wrap="square" lIns="91440" tIns="45720" rIns="91440" bIns="45720" vert="horz" anchor="ctr">
+              <a:noAutofit/>
+            </a:bodyPr>
+            <a:lstStyle/>
+            <a:p>
+              <a:pPr marL="0" indent="0" algn="ctr" fontAlgn="auto" defTabSz="508000" eaLnBrk="0" latinLnBrk="0">
+                <a:lnSpc>
+                  <a:spcPct val="100000"/>
+                </a:lnSpc>
+                <a:spcBef>
+                  <a:spcPts val="0"/>
+                </a:spcBef>
+                <a:spcAft>
+                  <a:spcPts val="0"/>
+                </a:spcAft>
+                <a:buFontTx/>
+                <a:buNone/>
+              </a:pPr>
+              <a:r>
+                <a:rPr lang="en-US" altLang="ko-KR" sz="3600" cap="none" dirty="0" smtClean="0" b="0" strike="noStrike">
+                  <a:solidFill>
+                    <a:schemeClr val="accent1">
+                      <a:lumMod val="60000"/>
+                      <a:lumOff val="40000"/>
+                    </a:schemeClr>
+                  </a:solidFill>
+                  <a:latin typeface="맑은 고딕" charset="0"/>
+                  <a:ea typeface="맑은 고딕" charset="0"/>
+                </a:rPr>
+                <a:t>7</a:t>
+              </a:r>
+              <a:endParaRPr lang="ko-KR" altLang="en-US" sz="3600" cap="none" dirty="0" smtClean="0" b="0" strike="noStrike">
+                <a:solidFill>
+                  <a:schemeClr val="accent1">
+                    <a:lumMod val="60000"/>
+                    <a:lumOff val="40000"/>
+                  </a:schemeClr>
+                </a:solidFill>
+                <a:latin typeface="맑은 고딕" charset="0"/>
+                <a:ea typeface="맑은 고딕" charset="0"/>
+              </a:endParaRPr>
+            </a:p>
+          </p:txBody>
+        </p:sp>
+        <p:sp>
+          <p:nvSpPr>
+            <p:cNvPr id="24" name="도형 23"/>
+            <p:cNvSpPr>
+              <a:spLocks/>
+            </p:cNvSpPr>
+            <p:nvPr/>
+          </p:nvSpPr>
+          <p:spPr>
+            <a:xfrm rot="0">
+              <a:off x="7806690" y="3820160"/>
+              <a:ext cx="3479165" cy="539115"/>
+            </a:xfrm>
+            <a:prstGeom prst="rect"/>
+            <a:solidFill>
+              <a:schemeClr val="bg1"/>
+            </a:solidFill>
+            <a:ln w="0">
+              <a:noFill/>
+              <a:prstDash/>
+            </a:ln>
+          </p:spPr>
+          <p:style>
+            <a:lnRef idx="2">
+              <a:schemeClr val="accent1">
+                <a:shade val="50000"/>
+              </a:schemeClr>
+            </a:lnRef>
+            <a:fillRef idx="1">
+              <a:schemeClr val="accent1"/>
+            </a:fillRef>
+            <a:effectRef idx="0">
+              <a:schemeClr val="accent1"/>
+            </a:effectRef>
+            <a:fontRef idx="minor">
+              <a:schemeClr val="lt1"/>
+            </a:fontRef>
+          </p:style>
+          <p:txBody>
+            <a:bodyPr wrap="square" lIns="91440" tIns="45720" rIns="91440" bIns="45720" vert="horz" anchor="ctr">
+              <a:noAutofit/>
+            </a:bodyPr>
+            <a:lstStyle/>
+            <a:p>
+              <a:pPr marL="0" indent="0" algn="ctr" fontAlgn="auto" defTabSz="508000" eaLnBrk="0" latinLnBrk="0">
+                <a:lnSpc>
+                  <a:spcPct val="100000"/>
+                </a:lnSpc>
+                <a:spcBef>
+                  <a:spcPts val="0"/>
+                </a:spcBef>
+                <a:spcAft>
+                  <a:spcPts val="0"/>
+                </a:spcAft>
+                <a:buFontTx/>
+                <a:buNone/>
+              </a:pPr>
+              <a:r>
+                <a:rPr lang="en-US" altLang="ko-KR" sz="1800" cap="none" dirty="0" smtClean="0" b="0" strike="noStrike">
+                  <a:solidFill>
+                    <a:srgbClr val="000000">
+                      <a:alpha val="45922"/>
+                    </a:srgbClr>
+                  </a:solidFill>
+                  <a:latin typeface="맑은 고딕" charset="0"/>
+                  <a:ea typeface="맑은 고딕" charset="0"/>
+                </a:rPr>
+                <a:t>Python 반복문</a:t>
+              </a:r>
+              <a:endParaRPr lang="ko-KR" altLang="en-US" sz="1800" cap="none" dirty="0" smtClean="0" b="0" strike="noStrike">
+                <a:solidFill>
+                  <a:srgbClr val="000000">
+                    <a:alpha val="45922"/>
+                  </a:srgbClr>
+                </a:solidFill>
+                <a:latin typeface="맑은 고딕" charset="0"/>
+                <a:ea typeface="맑은 고딕" charset="0"/>
+              </a:endParaRPr>
+            </a:p>
+          </p:txBody>
+        </p:sp>
+      </p:grpSp>
+    </p:spTree>
+  </p:cSld>
+  <p:clrMapOvr>
+    <a:masterClrMapping/>
+  </p:clrMapOvr>
+  <mc:AlternateContent xmlns:mc="http://schemas.openxmlformats.org/markup-compatibility/2006">
+    <mc:Choice xmlns:p14="http://schemas.microsoft.com/office/powerpoint/2010/main" Requires="p14">
+      <p:transition spd="slow" p14:dur="1000"/>
+    </mc:Choice>
+    <mc:Fallback>
+      <p:transition spd="slow"/>
+    </mc:Fallback>
+  </mc:AlternateContent>
+  <p:timing>
+    <p:tnLst>
+      <p:par>
+        <p:cTn id="1" dur="indefinite" restart="never" nodeType="tmRoot"/>
+      </p:par>
+    </p:tnLst>
+  </p:timing>
+</p:sld>
+</file>
+
+<file path=ppt/slides/slide13.xml><?xml version="1.0" encoding="utf-8"?>
+<p:sld xmlns:a="http://schemas.openxmlformats.org/drawingml/2006/main" xmlns:r="http://schemas.openxmlformats.org/officeDocument/2006/relationships" xmlns:p="http://schemas.openxmlformats.org/presentationml/2006/main" xmlns:p14="http://schemas.microsoft.com/office/powerpoint/2010/main">
+  <p:cSld>
+    <p:spTree>
+      <p:nvGrpSpPr>
+        <p:cNvPr id="1" name=""/>
+        <p:cNvGrpSpPr/>
+        <p:nvPr/>
+      </p:nvGrpSpPr>
+      <p:grpSpPr>
+        <a:xfrm>
+          <a:off x="0" y="0"/>
+          <a:ext cx="0" cy="0"/>
+          <a:chOff x="0" y="0"/>
+          <a:chExt cx="0" cy="0"/>
+        </a:xfrm>
+      </p:grpSpPr>
+      <p:sp>
+        <p:nvSpPr>
+          <p:cNvPr id="6" name="텍스트 상자 5"/>
+          <p:cNvSpPr txBox="1">
+            <a:spLocks/>
+          </p:cNvSpPr>
+          <p:nvPr/>
+        </p:nvSpPr>
+        <p:spPr>
+          <a:xfrm rot="0">
+            <a:off x="432435" y="267970"/>
+            <a:ext cx="5008880" cy="370840"/>
+          </a:xfrm>
+          <a:prstGeom prst="rect"/>
+          <a:noFill/>
+          <a:ln w="0">
+            <a:noFill/>
+            <a:prstDash/>
+          </a:ln>
+        </p:spPr>
+        <p:txBody>
+          <a:bodyPr wrap="square" lIns="89535" tIns="46355" rIns="89535" bIns="46355" vert="horz" anchor="t">
+            <a:spAutoFit/>
+          </a:bodyPr>
+          <a:lstStyle/>
+          <a:p>
+            <a:pPr marL="0" indent="0" algn="l" fontAlgn="auto" defTabSz="508000" eaLnBrk="0" latinLnBrk="0">
+              <a:lnSpc>
+                <a:spcPct val="100000"/>
+              </a:lnSpc>
+              <a:spcBef>
+                <a:spcPts val="0"/>
+              </a:spcBef>
+              <a:spcAft>
+                <a:spcPts val="0"/>
+              </a:spcAft>
+              <a:buFontTx/>
+              <a:buNone/>
+            </a:pPr>
+            <a:endParaRPr lang="ko-KR" altLang="en-US" sz="1800" cap="none" dirty="0" smtClean="0" b="0" strike="noStrike">
+              <a:latin typeface="맑은 고딕" charset="0"/>
+              <a:ea typeface="맑은 고딕" charset="0"/>
+            </a:endParaRPr>
+          </a:p>
+        </p:txBody>
+      </p:sp>
+      <p:sp>
+        <p:nvSpPr>
+          <p:cNvPr id="11" name="텍스트 상자 10"/>
+          <p:cNvSpPr txBox="1">
+            <a:spLocks/>
+          </p:cNvSpPr>
+          <p:nvPr/>
+        </p:nvSpPr>
+        <p:spPr>
+          <a:xfrm rot="0">
+            <a:off x="431800" y="6018530"/>
+            <a:ext cx="5894705" cy="738505"/>
+          </a:xfrm>
+          <a:prstGeom prst="rect"/>
+          <a:noFill/>
+        </p:spPr>
+        <p:txBody>
+          <a:bodyPr wrap="square" lIns="0" tIns="0" rIns="0" bIns="0" vert="horz" anchor="t">
+            <a:noAutofit/>
+          </a:bodyPr>
+          <a:lstStyle/>
+          <a:p>
+            <a:pPr marL="0" indent="0" algn="ctr" fontAlgn="auto" defTabSz="508000">
+              <a:lnSpc>
+                <a:spcPct val="100000"/>
+              </a:lnSpc>
+              <a:spcBef>
+                <a:spcPts val="0"/>
+              </a:spcBef>
+              <a:spcAft>
+                <a:spcPts val="0"/>
+              </a:spcAft>
+              <a:buFontTx/>
+              <a:buNone/>
+            </a:pPr>
+            <a:r>
+              <a:rPr lang="en-US" altLang="ko-KR" sz="1000" cap="none" dirty="0" smtClean="0" b="0" strike="noStrike">
+                <a:solidFill>
+                  <a:schemeClr val="accent1">
+                    <a:lumMod val="75000"/>
+                    <a:lumOff val="0"/>
+                  </a:schemeClr>
+                </a:solidFill>
+                <a:latin typeface="맑은 고딕" charset="0"/>
+                <a:ea typeface="맑은 고딕" charset="0"/>
+              </a:rPr>
+              <a:t>http://www.realhanbit.co.kr/books/53/pages/608/preview - 파이썬 키워드 표</a:t>
+            </a:r>
+            <a:endParaRPr lang="ko-KR" altLang="en-US" sz="1000" cap="none" dirty="0" smtClean="0" b="0" strike="noStrike">
+              <a:solidFill>
+                <a:schemeClr val="accent1">
+                  <a:lumMod val="75000"/>
+                  <a:lumOff val="0"/>
+                </a:schemeClr>
+              </a:solidFill>
+              <a:latin typeface="맑은 고딕" charset="0"/>
+              <a:ea typeface="맑은 고딕" charset="0"/>
+            </a:endParaRPr>
+          </a:p>
+          <a:p>
+            <a:pPr marL="0" indent="0" algn="ctr" fontAlgn="auto" defTabSz="508000">
+              <a:lnSpc>
+                <a:spcPct val="100000"/>
+              </a:lnSpc>
+              <a:spcBef>
+                <a:spcPts val="0"/>
+              </a:spcBef>
+              <a:spcAft>
+                <a:spcPts val="0"/>
+              </a:spcAft>
+              <a:buFontTx/>
+              <a:buNone/>
+            </a:pPr>
+            <a:r>
+              <a:rPr lang="en-US" altLang="ko-KR" sz="1000" cap="none" dirty="0" smtClean="0" b="0" strike="noStrike">
+                <a:solidFill>
+                  <a:schemeClr val="accent1">
+                    <a:lumMod val="75000"/>
+                    <a:lumOff val="0"/>
+                  </a:schemeClr>
+                </a:solidFill>
+                <a:latin typeface="맑은 고딕" charset="0"/>
+                <a:ea typeface="맑은 고딕" charset="0"/>
+              </a:rPr>
+              <a:t>http://www.realhanbit.co.kr/books/53/pages/608/preview - 파이썬 식별자 규칙</a:t>
+            </a:r>
+            <a:endParaRPr lang="ko-KR" altLang="en-US" sz="1000" cap="none" dirty="0" smtClean="0" b="0" strike="noStrike">
+              <a:solidFill>
+                <a:schemeClr val="accent1">
+                  <a:lumMod val="75000"/>
+                  <a:lumOff val="0"/>
+                </a:schemeClr>
+              </a:solidFill>
+              <a:latin typeface="맑은 고딕" charset="0"/>
+              <a:ea typeface="맑은 고딕" charset="0"/>
+            </a:endParaRPr>
+          </a:p>
+          <a:p>
+            <a:pPr marL="0" indent="0" algn="ctr" fontAlgn="auto" defTabSz="508000">
+              <a:lnSpc>
+                <a:spcPct val="100000"/>
+              </a:lnSpc>
+              <a:spcBef>
+                <a:spcPts val="0"/>
+              </a:spcBef>
+              <a:spcAft>
+                <a:spcPts val="0"/>
+              </a:spcAft>
+              <a:buFontTx/>
+              <a:buNone/>
+            </a:pPr>
+            <a:r>
+              <a:rPr lang="en-US" altLang="ko-KR" sz="1000" cap="none" dirty="0" smtClean="0" b="0" strike="noStrike">
+                <a:solidFill>
+                  <a:schemeClr val="accent1">
+                    <a:lumMod val="75000"/>
+                    <a:lumOff val="0"/>
+                  </a:schemeClr>
+                </a:solidFill>
+                <a:latin typeface="맑은 고딕" charset="0"/>
+                <a:ea typeface="맑은 고딕" charset="0"/>
+              </a:rPr>
+              <a:t>http://devanix.tistory.com/70 - 연산자 우선순위 표</a:t>
+            </a:r>
+            <a:endParaRPr lang="ko-KR" altLang="en-US" sz="1000" cap="none" dirty="0" smtClean="0" b="0" strike="noStrike">
+              <a:solidFill>
+                <a:schemeClr val="accent1">
+                  <a:lumMod val="75000"/>
+                  <a:lumOff val="0"/>
+                </a:schemeClr>
+              </a:solidFill>
+              <a:latin typeface="맑은 고딕" charset="0"/>
+              <a:ea typeface="맑은 고딕" charset="0"/>
+            </a:endParaRPr>
+          </a:p>
+          <a:p>
+            <a:pPr marL="0" indent="0" algn="ctr" fontAlgn="auto" defTabSz="508000">
+              <a:lnSpc>
+                <a:spcPct val="100000"/>
+              </a:lnSpc>
+              <a:spcBef>
+                <a:spcPts val="0"/>
+              </a:spcBef>
+              <a:spcAft>
+                <a:spcPts val="0"/>
+              </a:spcAft>
+              <a:buFontTx/>
+              <a:buNone/>
+            </a:pPr>
+            <a:endParaRPr lang="ko-KR" altLang="en-US" sz="1800" cap="none" dirty="0" smtClean="0" b="0" strike="noStrike">
+              <a:solidFill>
+                <a:schemeClr val="accent1">
+                  <a:lumMod val="75000"/>
+                  <a:lumOff val="0"/>
+                </a:schemeClr>
+              </a:solidFill>
+              <a:latin typeface="맑은 고딕" charset="0"/>
+              <a:ea typeface="맑은 고딕" charset="0"/>
+            </a:endParaRPr>
+          </a:p>
+        </p:txBody>
+      </p:sp>
+      <p:grpSp>
+        <p:nvGrpSpPr>
+          <p:cNvPr id="14" name="그룹 13"/>
+          <p:cNvGrpSpPr/>
+          <p:nvPr/>
+        </p:nvGrpSpPr>
+        <p:grpSpPr>
+          <a:xfrm rot="0">
+            <a:off x="6901815" y="-43815"/>
+            <a:ext cx="5294630" cy="6964680"/>
+            <a:chOff x="6901815" y="-43815"/>
+            <a:chExt cx="5294630" cy="6964680"/>
+          </a:xfrm>
+        </p:grpSpPr>
+        <p:sp>
+          <p:nvSpPr>
+            <p:cNvPr id="15" name="도형 14"/>
+            <p:cNvSpPr>
+              <a:spLocks/>
+            </p:cNvSpPr>
+            <p:nvPr/>
+          </p:nvSpPr>
+          <p:spPr>
+            <a:xfrm rot="0">
+              <a:off x="6901815" y="-43815"/>
+              <a:ext cx="5294630" cy="6964680"/>
+            </a:xfrm>
+            <a:prstGeom prst="rect"/>
+            <a:solidFill>
+              <a:schemeClr val="accent1">
+                <a:lumMod val="75000"/>
+                <a:lumOff val="0"/>
+                <a:alpha val="46707"/>
+              </a:schemeClr>
+            </a:solidFill>
+            <a:ln w="0">
+              <a:noFill/>
+              <a:prstDash/>
+            </a:ln>
+          </p:spPr>
+          <p:style>
+            <a:lnRef idx="2">
+              <a:schemeClr val="accent1">
+                <a:shade val="50000"/>
+              </a:schemeClr>
+            </a:lnRef>
+            <a:fillRef idx="1">
+              <a:schemeClr val="accent1"/>
+            </a:fillRef>
+            <a:effectRef idx="0">
+              <a:schemeClr val="accent1"/>
+            </a:effectRef>
+            <a:fontRef idx="minor">
+              <a:schemeClr val="lt1"/>
+            </a:fontRef>
+          </p:style>
+          <p:txBody>
+            <a:bodyPr wrap="square" lIns="91440" tIns="45720" rIns="91440" bIns="45720" vert="horz" anchor="ctr">
+              <a:noAutofit/>
+            </a:bodyPr>
+            <a:lstStyle/>
+            <a:p>
+              <a:pPr marL="0" indent="0" algn="ctr" fontAlgn="auto" defTabSz="508000" eaLnBrk="0" latinLnBrk="0">
+                <a:lnSpc>
+                  <a:spcPct val="100000"/>
+                </a:lnSpc>
+                <a:spcBef>
+                  <a:spcPts val="0"/>
+                </a:spcBef>
+                <a:spcAft>
+                  <a:spcPts val="0"/>
+                </a:spcAft>
+                <a:buFontTx/>
+                <a:buNone/>
+              </a:pPr>
+              <a:endParaRPr lang="ko-KR" altLang="en-US" sz="1800" cap="none" dirty="0" smtClean="0" b="0" strike="noStrike">
+                <a:latin typeface="맑은 고딕" charset="0"/>
+                <a:ea typeface="맑은 고딕" charset="0"/>
+              </a:endParaRPr>
+            </a:p>
+          </p:txBody>
+        </p:sp>
+        <p:sp>
+          <p:nvSpPr>
+            <p:cNvPr id="16" name="도형 15"/>
             <p:cNvSpPr>
               <a:spLocks/>
             </p:cNvSpPr>
@@ -8097,16 +7919,16 @@
         </p:sp>
         <p:sp>
           <p:nvSpPr>
-            <p:cNvPr id="9" name="도형 8"/>
+            <p:cNvPr id="17" name="도형 16"/>
             <p:cNvSpPr>
               <a:spLocks/>
             </p:cNvSpPr>
             <p:nvPr/>
           </p:nvSpPr>
           <p:spPr>
-            <a:xfrm>
+            <a:xfrm rot="0">
               <a:off x="7806690" y="3820160"/>
-              <a:ext cx="3479800" cy="539750"/>
+              <a:ext cx="3479165" cy="539115"/>
             </a:xfrm>
             <a:prstGeom prst="rect"/>
             <a:solidFill>
@@ -8134,7 +7956,7 @@
             </a:fontRef>
           </p:style>
           <p:txBody>
-            <a:bodyPr wrap="square" lIns="91440" tIns="45720" rIns="91440" bIns="45720" numCol="1" vert="horz" anchor="ctr">
+            <a:bodyPr wrap="square" lIns="91440" tIns="45720" rIns="91440" bIns="45720" vert="horz" anchor="ctr">
               <a:noAutofit/>
             </a:bodyPr>
             <a:lstStyle/>
@@ -8155,11 +7977,9 @@
               <a:r>
                 <a:rPr lang="en-US" altLang="ko-KR" sz="1800" cap="none" dirty="0" smtClean="0" b="0" strike="noStrike">
                   <a:solidFill>
-                    <a:schemeClr val="accent1">
-                      <a:lumMod val="75000"/>
-                      <a:lumOff val="0"/>
-                      <a:alpha val="44745"/>
-                    </a:schemeClr>
+                    <a:srgbClr val="000000">
+                      <a:alpha val="45922"/>
+                    </a:srgbClr>
                   </a:solidFill>
                   <a:latin typeface="맑은 고딕" charset="0"/>
                   <a:ea typeface="맑은 고딕" charset="0"/>
@@ -8168,11 +7988,9 @@
               </a:r>
               <a:endParaRPr lang="ko-KR" altLang="en-US" sz="1800" cap="none" dirty="0" smtClean="0" b="0" strike="noStrike">
                 <a:solidFill>
-                  <a:schemeClr val="accent1">
-                    <a:lumMod val="75000"/>
-                    <a:lumOff val="0"/>
-                    <a:alpha val="44745"/>
-                  </a:schemeClr>
+                  <a:srgbClr val="000000">
+                    <a:alpha val="45922"/>
+                  </a:srgbClr>
                 </a:solidFill>
                 <a:latin typeface="맑은 고딕" charset="0"/>
                 <a:ea typeface="맑은 고딕" charset="0"/>
@@ -8181,168 +7999,6 @@
           </p:txBody>
         </p:sp>
       </p:grpSp>
-      <p:sp>
-        <p:nvSpPr>
-          <p:cNvPr id="11" name="텍스트 상자 10"/>
-          <p:cNvSpPr txBox="1">
-            <a:spLocks/>
-          </p:cNvSpPr>
-          <p:nvPr/>
-        </p:nvSpPr>
-        <p:spPr>
-          <a:xfrm rot="0">
-            <a:off x="431800" y="6018530"/>
-            <a:ext cx="5894705" cy="738505"/>
-          </a:xfrm>
-          <a:prstGeom prst="rect"/>
-          <a:noFill/>
-        </p:spPr>
-        <p:txBody>
-          <a:bodyPr wrap="square" lIns="0" tIns="0" rIns="0" bIns="0" vert="horz" anchor="t">
-            <a:noAutofit/>
-          </a:bodyPr>
-          <a:lstStyle/>
-          <a:p>
-            <a:pPr marL="0" indent="0" algn="ctr" fontAlgn="auto" defTabSz="508000">
-              <a:lnSpc>
-                <a:spcPct val="100000"/>
-              </a:lnSpc>
-              <a:spcBef>
-                <a:spcPts val="0"/>
-              </a:spcBef>
-              <a:spcAft>
-                <a:spcPts val="0"/>
-              </a:spcAft>
-              <a:buFontTx/>
-              <a:buNone/>
-            </a:pPr>
-            <a:r>
-              <a:rPr lang="en-US" altLang="ko-KR" sz="1000" cap="none" dirty="0" smtClean="0" b="0" strike="noStrike">
-                <a:solidFill>
-                  <a:schemeClr val="accent1">
-                    <a:lumMod val="75000"/>
-                    <a:lumOff val="0"/>
-                  </a:schemeClr>
-                </a:solidFill>
-                <a:latin typeface="맑은 고딕" charset="0"/>
-                <a:ea typeface="맑은 고딕" charset="0"/>
-              </a:rPr>
-              <a:t>http://www.realhanbit.co.kr/books/53/pages/608/preview - 파이썬 키워드 표</a:t>
-            </a:r>
-            <a:endParaRPr lang="ko-KR" altLang="en-US" sz="1000" cap="none" dirty="0" smtClean="0" b="0" strike="noStrike">
-              <a:solidFill>
-                <a:schemeClr val="accent1">
-                  <a:lumMod val="75000"/>
-                  <a:lumOff val="0"/>
-                </a:schemeClr>
-              </a:solidFill>
-              <a:latin typeface="맑은 고딕" charset="0"/>
-              <a:ea typeface="맑은 고딕" charset="0"/>
-            </a:endParaRPr>
-          </a:p>
-          <a:p>
-            <a:pPr marL="0" indent="0" algn="ctr" fontAlgn="auto" defTabSz="508000">
-              <a:lnSpc>
-                <a:spcPct val="100000"/>
-              </a:lnSpc>
-              <a:spcBef>
-                <a:spcPts val="0"/>
-              </a:spcBef>
-              <a:spcAft>
-                <a:spcPts val="0"/>
-              </a:spcAft>
-              <a:buFontTx/>
-              <a:buNone/>
-            </a:pPr>
-            <a:r>
-              <a:rPr lang="en-US" altLang="ko-KR" sz="1000" cap="none" dirty="0" smtClean="0" b="0" strike="noStrike">
-                <a:solidFill>
-                  <a:schemeClr val="accent1">
-                    <a:lumMod val="75000"/>
-                    <a:lumOff val="0"/>
-                  </a:schemeClr>
-                </a:solidFill>
-                <a:latin typeface="맑은 고딕" charset="0"/>
-                <a:ea typeface="맑은 고딕" charset="0"/>
-              </a:rPr>
-              <a:t>http://www.realhanbit.co.kr/books/53/pages/608/preview - 파이썬 식별자 규칙</a:t>
-            </a:r>
-            <a:endParaRPr lang="ko-KR" altLang="en-US" sz="1000" cap="none" dirty="0" smtClean="0" b="0" strike="noStrike">
-              <a:solidFill>
-                <a:schemeClr val="accent1">
-                  <a:lumMod val="75000"/>
-                  <a:lumOff val="0"/>
-                </a:schemeClr>
-              </a:solidFill>
-              <a:latin typeface="맑은 고딕" charset="0"/>
-              <a:ea typeface="맑은 고딕" charset="0"/>
-            </a:endParaRPr>
-          </a:p>
-          <a:p>
-            <a:pPr marL="0" indent="0" algn="ctr" fontAlgn="auto" defTabSz="508000">
-              <a:lnSpc>
-                <a:spcPct val="100000"/>
-              </a:lnSpc>
-              <a:spcBef>
-                <a:spcPts val="0"/>
-              </a:spcBef>
-              <a:spcAft>
-                <a:spcPts val="0"/>
-              </a:spcAft>
-              <a:buFontTx/>
-              <a:buNone/>
-            </a:pPr>
-            <a:r>
-              <a:rPr lang="en-US" altLang="ko-KR" sz="1000" cap="none" dirty="0" smtClean="0" b="0" strike="noStrike">
-                <a:solidFill>
-                  <a:schemeClr val="accent1">
-                    <a:lumMod val="75000"/>
-                    <a:lumOff val="0"/>
-                  </a:schemeClr>
-                </a:solidFill>
-                <a:latin typeface="맑은 고딕" charset="0"/>
-                <a:ea typeface="맑은 고딕" charset="0"/>
-              </a:rPr>
-              <a:t>http://devanix.tistory.com/70 - 연산자 우선순위 표</a:t>
-            </a:r>
-            <a:endParaRPr lang="ko-KR" altLang="en-US" sz="1000" cap="none" dirty="0" smtClean="0" b="0" strike="noStrike">
-              <a:solidFill>
-                <a:schemeClr val="accent1">
-                  <a:lumMod val="75000"/>
-                  <a:lumOff val="0"/>
-                </a:schemeClr>
-              </a:solidFill>
-              <a:latin typeface="맑은 고딕" charset="0"/>
-              <a:ea typeface="맑은 고딕" charset="0"/>
-            </a:endParaRPr>
-          </a:p>
-          <a:p>
-            <a:pPr marL="0" indent="0" algn="ctr" fontAlgn="auto" defTabSz="508000">
-              <a:lnSpc>
-                <a:spcPct val="100000"/>
-              </a:lnSpc>
-              <a:spcBef>
-                <a:spcPts val="0"/>
-              </a:spcBef>
-              <a:spcAft>
-                <a:spcPts val="0"/>
-              </a:spcAft>
-              <a:buFontTx/>
-              <a:buNone/>
-            </a:pPr>
-            <a:endParaRPr lang="ko-KR" altLang="en-US" sz="1800" cap="none" dirty="0" smtClean="0" b="0" strike="noStrike">
-              <a:solidFill>
-                <a:schemeClr val="accent1">
-                  <a:lumMod val="75000"/>
-                  <a:lumOff val="0"/>
-                </a:schemeClr>
-              </a:solidFill>
-              <a:latin typeface="맑은 고딕" charset="0"/>
-              <a:ea typeface="맑은 고딕" charset="0"/>
-            </a:endParaRPr>
-          </a:p>
-        </p:txBody>
-      </p:sp>
     </p:spTree>
   </p:cSld>
   <p:clrMapOvr>
